--- a/AngularJSdotNet.pptx
+++ b/AngularJSdotNet.pptx
@@ -6420,8 +6420,8 @@
     <dgm:cxn modelId="{1B758789-4BAD-458A-AC54-02BCCAFAC688}" type="presOf" srcId="{C5903BEC-C42F-4DE9-A957-5B98049B8B95}" destId="{D89CEA24-04F7-4F15-BDC1-AE1871BF26A8}" srcOrd="0" destOrd="0" presId="urn:microsoft.com/office/officeart/2005/8/layout/process5"/>
     <dgm:cxn modelId="{00BF8910-C50C-4942-8AF8-B2A3D134D36E}" type="presOf" srcId="{D6A70763-4D7C-4546-BD4F-06F50F9150E7}" destId="{54578D54-65BE-40E0-ABD4-92036C6986D8}" srcOrd="0" destOrd="0" presId="urn:microsoft.com/office/officeart/2005/8/layout/process5"/>
     <dgm:cxn modelId="{4D489009-2AEF-4AEC-B36A-6FE2A3F54E04}" type="presOf" srcId="{CCEB3F8B-8129-4068-905D-E276F308B404}" destId="{1EBE6C4F-BB9D-4784-AC5B-7ABDA5D49102}" srcOrd="1" destOrd="0" presId="urn:microsoft.com/office/officeart/2005/8/layout/process5"/>
+    <dgm:cxn modelId="{CBC62B35-2B5D-4EEC-A0D7-2A928EBC6AFF}" type="presOf" srcId="{40653257-3565-420D-B8E7-62F672237C9C}" destId="{EC7DB1A1-832A-4821-BCF5-96B7A309D7D8}" srcOrd="1" destOrd="0" presId="urn:microsoft.com/office/officeart/2005/8/layout/process5"/>
     <dgm:cxn modelId="{70AE5ACB-01A6-4E1A-9C77-A1A07372B2DF}" srcId="{03F41A6D-461C-45DB-BFC8-F303CE2A021D}" destId="{D6A70763-4D7C-4546-BD4F-06F50F9150E7}" srcOrd="1" destOrd="0" parTransId="{5B5CE942-9696-4633-B4C0-CECCF471F428}" sibTransId="{A24C3670-4C76-4A32-9131-8AFD10536790}"/>
-    <dgm:cxn modelId="{CBC62B35-2B5D-4EEC-A0D7-2A928EBC6AFF}" type="presOf" srcId="{40653257-3565-420D-B8E7-62F672237C9C}" destId="{EC7DB1A1-832A-4821-BCF5-96B7A309D7D8}" srcOrd="1" destOrd="0" presId="urn:microsoft.com/office/officeart/2005/8/layout/process5"/>
     <dgm:cxn modelId="{ACB06810-50BA-4CEE-A3F6-0CBED2D6D281}" srcId="{03F41A6D-461C-45DB-BFC8-F303CE2A021D}" destId="{8081C28F-EE84-4A58-8D47-3A2969C3F73A}" srcOrd="5" destOrd="0" parTransId="{3E21D123-1AC5-4B14-8CF5-093517913010}" sibTransId="{72DA85C7-E5D4-492E-AC42-1D3D3AD9B1A1}"/>
     <dgm:cxn modelId="{68737501-3AFA-40E3-B2F3-0E9C822FD3AC}" srcId="{03F41A6D-461C-45DB-BFC8-F303CE2A021D}" destId="{4AE5BAC4-3969-46FE-BFA6-62B1BF229B9D}" srcOrd="2" destOrd="0" parTransId="{7A1D5CE8-D4A7-4986-A349-62ACCA6B5F90}" sibTransId="{CCEB3F8B-8129-4068-905D-E276F308B404}"/>
     <dgm:cxn modelId="{6EFE3333-5BDA-421A-A8F8-E42596FAC703}" type="presOf" srcId="{8081C28F-EE84-4A58-8D47-3A2969C3F73A}" destId="{45FA9F2E-AE8A-4139-AEFC-A9D16C16F2F9}" srcOrd="0" destOrd="0" presId="urn:microsoft.com/office/officeart/2005/8/layout/process5"/>
@@ -6764,20 +6764,20 @@
     </dgm:pt>
   </dgm:ptLst>
   <dgm:cxnLst>
-    <dgm:cxn modelId="{B7C96EDC-2202-4A34-9805-CD9D0CB565F0}" type="presOf" srcId="{03F41A6D-461C-45DB-BFC8-F303CE2A021D}" destId="{C4E5DD75-72C1-4DFF-8D91-051152C488FD}" srcOrd="0" destOrd="0" presId="urn:microsoft.com/office/officeart/2005/8/layout/process5"/>
-    <dgm:cxn modelId="{3FC07406-CEB2-4AF4-993F-E1761D8FD4CD}" type="presOf" srcId="{A24C3670-4C76-4A32-9131-8AFD10536790}" destId="{AA7DA251-7101-4C1D-859D-0B6058890E94}" srcOrd="0" destOrd="0" presId="urn:microsoft.com/office/officeart/2005/8/layout/process5"/>
-    <dgm:cxn modelId="{D160F633-DAF4-4678-835E-D1B2F0A099A4}" type="presOf" srcId="{CCB267B3-0B1C-45F2-B191-FF0EC971C53A}" destId="{544194A6-5B9D-4D2D-8D30-20A2AD02A23D}" srcOrd="0" destOrd="0" presId="urn:microsoft.com/office/officeart/2005/8/layout/process5"/>
-    <dgm:cxn modelId="{DDEF34A9-87D8-447E-9AC0-4890B8B6B12E}" type="presOf" srcId="{C5903BEC-C42F-4DE9-A957-5B98049B8B95}" destId="{D89CEA24-04F7-4F15-BDC1-AE1871BF26A8}" srcOrd="0" destOrd="0" presId="urn:microsoft.com/office/officeart/2005/8/layout/process5"/>
+    <dgm:cxn modelId="{1C28B556-81F8-4C87-B2C1-371D4D472B54}" type="presOf" srcId="{D6A70763-4D7C-4546-BD4F-06F50F9150E7}" destId="{54578D54-65BE-40E0-ABD4-92036C6986D8}" srcOrd="0" destOrd="0" presId="urn:microsoft.com/office/officeart/2005/8/layout/process5"/>
+    <dgm:cxn modelId="{5D91BCD1-7BD3-4CD7-B7DB-1E943764ACAC}" srcId="{03F41A6D-461C-45DB-BFC8-F303CE2A021D}" destId="{C5903BEC-C42F-4DE9-A957-5B98049B8B95}" srcOrd="0" destOrd="0" parTransId="{72DD35B8-B0EA-432E-80B8-53346D64187C}" sibTransId="{40653257-3565-420D-B8E7-62F672237C9C}"/>
     <dgm:cxn modelId="{830A8251-C7B1-4C00-BC29-81351D6C3DA4}" type="presOf" srcId="{A24C3670-4C76-4A32-9131-8AFD10536790}" destId="{7072B9FF-D7A9-4DC5-92A6-CA04627E4584}" srcOrd="1" destOrd="0" presId="urn:microsoft.com/office/officeart/2005/8/layout/process5"/>
     <dgm:cxn modelId="{47C142F6-A034-4B9B-A41F-7E15AD268B3B}" type="presOf" srcId="{8081C28F-EE84-4A58-8D47-3A2969C3F73A}" destId="{45FA9F2E-AE8A-4139-AEFC-A9D16C16F2F9}" srcOrd="0" destOrd="0" presId="urn:microsoft.com/office/officeart/2005/8/layout/process5"/>
-    <dgm:cxn modelId="{1C28B556-81F8-4C87-B2C1-371D4D472B54}" type="presOf" srcId="{D6A70763-4D7C-4546-BD4F-06F50F9150E7}" destId="{54578D54-65BE-40E0-ABD4-92036C6986D8}" srcOrd="0" destOrd="0" presId="urn:microsoft.com/office/officeart/2005/8/layout/process5"/>
     <dgm:cxn modelId="{A73DA646-6B1B-4B06-A4F7-8FAF7B99534C}" srcId="{03F41A6D-461C-45DB-BFC8-F303CE2A021D}" destId="{CCB267B3-0B1C-45F2-B191-FF0EC971C53A}" srcOrd="2" destOrd="0" parTransId="{0CD377BB-B5DB-4551-A49A-E6BC48DC933D}" sibTransId="{324441F2-BDD8-4999-A987-380A0342FA46}"/>
+    <dgm:cxn modelId="{6F42B18C-202F-4001-B7E7-0025730BFB95}" type="presOf" srcId="{40653257-3565-420D-B8E7-62F672237C9C}" destId="{EC7DB1A1-832A-4821-BCF5-96B7A309D7D8}" srcOrd="1" destOrd="0" presId="urn:microsoft.com/office/officeart/2005/8/layout/process5"/>
+    <dgm:cxn modelId="{8F128297-180A-409B-9102-C18C8DFA400C}" type="presOf" srcId="{324441F2-BDD8-4999-A987-380A0342FA46}" destId="{1EE1385C-D520-4BD2-B6F0-45032ECB71EE}" srcOrd="1" destOrd="0" presId="urn:microsoft.com/office/officeart/2005/8/layout/process5"/>
+    <dgm:cxn modelId="{DDEF34A9-87D8-447E-9AC0-4890B8B6B12E}" type="presOf" srcId="{C5903BEC-C42F-4DE9-A957-5B98049B8B95}" destId="{D89CEA24-04F7-4F15-BDC1-AE1871BF26A8}" srcOrd="0" destOrd="0" presId="urn:microsoft.com/office/officeart/2005/8/layout/process5"/>
+    <dgm:cxn modelId="{B7C96EDC-2202-4A34-9805-CD9D0CB565F0}" type="presOf" srcId="{03F41A6D-461C-45DB-BFC8-F303CE2A021D}" destId="{C4E5DD75-72C1-4DFF-8D91-051152C488FD}" srcOrd="0" destOrd="0" presId="urn:microsoft.com/office/officeart/2005/8/layout/process5"/>
+    <dgm:cxn modelId="{D160F633-DAF4-4678-835E-D1B2F0A099A4}" type="presOf" srcId="{CCB267B3-0B1C-45F2-B191-FF0EC971C53A}" destId="{544194A6-5B9D-4D2D-8D30-20A2AD02A23D}" srcOrd="0" destOrd="0" presId="urn:microsoft.com/office/officeart/2005/8/layout/process5"/>
+    <dgm:cxn modelId="{9560DACB-390D-4215-A386-CEBF0064A71F}" type="presOf" srcId="{324441F2-BDD8-4999-A987-380A0342FA46}" destId="{DF64C6CE-26B2-4F45-9725-C55694AE2AD7}" srcOrd="0" destOrd="0" presId="urn:microsoft.com/office/officeart/2005/8/layout/process5"/>
+    <dgm:cxn modelId="{E9B26917-60A1-4219-B2A7-D948901FE6A4}" type="presOf" srcId="{40653257-3565-420D-B8E7-62F672237C9C}" destId="{1B59E2AF-0D52-483A-B065-A9DDB27C6D5D}" srcOrd="0" destOrd="0" presId="urn:microsoft.com/office/officeart/2005/8/layout/process5"/>
+    <dgm:cxn modelId="{3FC07406-CEB2-4AF4-993F-E1761D8FD4CD}" type="presOf" srcId="{A24C3670-4C76-4A32-9131-8AFD10536790}" destId="{AA7DA251-7101-4C1D-859D-0B6058890E94}" srcOrd="0" destOrd="0" presId="urn:microsoft.com/office/officeart/2005/8/layout/process5"/>
     <dgm:cxn modelId="{70AE5ACB-01A6-4E1A-9C77-A1A07372B2DF}" srcId="{03F41A6D-461C-45DB-BFC8-F303CE2A021D}" destId="{D6A70763-4D7C-4546-BD4F-06F50F9150E7}" srcOrd="1" destOrd="0" parTransId="{5B5CE942-9696-4633-B4C0-CECCF471F428}" sibTransId="{A24C3670-4C76-4A32-9131-8AFD10536790}"/>
-    <dgm:cxn modelId="{6F42B18C-202F-4001-B7E7-0025730BFB95}" type="presOf" srcId="{40653257-3565-420D-B8E7-62F672237C9C}" destId="{EC7DB1A1-832A-4821-BCF5-96B7A309D7D8}" srcOrd="1" destOrd="0" presId="urn:microsoft.com/office/officeart/2005/8/layout/process5"/>
-    <dgm:cxn modelId="{E9B26917-60A1-4219-B2A7-D948901FE6A4}" type="presOf" srcId="{40653257-3565-420D-B8E7-62F672237C9C}" destId="{1B59E2AF-0D52-483A-B065-A9DDB27C6D5D}" srcOrd="0" destOrd="0" presId="urn:microsoft.com/office/officeart/2005/8/layout/process5"/>
-    <dgm:cxn modelId="{5D91BCD1-7BD3-4CD7-B7DB-1E943764ACAC}" srcId="{03F41A6D-461C-45DB-BFC8-F303CE2A021D}" destId="{C5903BEC-C42F-4DE9-A957-5B98049B8B95}" srcOrd="0" destOrd="0" parTransId="{72DD35B8-B0EA-432E-80B8-53346D64187C}" sibTransId="{40653257-3565-420D-B8E7-62F672237C9C}"/>
-    <dgm:cxn modelId="{8F128297-180A-409B-9102-C18C8DFA400C}" type="presOf" srcId="{324441F2-BDD8-4999-A987-380A0342FA46}" destId="{1EE1385C-D520-4BD2-B6F0-45032ECB71EE}" srcOrd="1" destOrd="0" presId="urn:microsoft.com/office/officeart/2005/8/layout/process5"/>
-    <dgm:cxn modelId="{9560DACB-390D-4215-A386-CEBF0064A71F}" type="presOf" srcId="{324441F2-BDD8-4999-A987-380A0342FA46}" destId="{DF64C6CE-26B2-4F45-9725-C55694AE2AD7}" srcOrd="0" destOrd="0" presId="urn:microsoft.com/office/officeart/2005/8/layout/process5"/>
     <dgm:cxn modelId="{ACB06810-50BA-4CEE-A3F6-0CBED2D6D281}" srcId="{03F41A6D-461C-45DB-BFC8-F303CE2A021D}" destId="{8081C28F-EE84-4A58-8D47-3A2969C3F73A}" srcOrd="3" destOrd="0" parTransId="{3E21D123-1AC5-4B14-8CF5-093517913010}" sibTransId="{72DA85C7-E5D4-492E-AC42-1D3D3AD9B1A1}"/>
     <dgm:cxn modelId="{AD0006FC-0FB7-4A28-A9C1-36897CFAEAED}" type="presParOf" srcId="{C4E5DD75-72C1-4DFF-8D91-051152C488FD}" destId="{D89CEA24-04F7-4F15-BDC1-AE1871BF26A8}" srcOrd="0" destOrd="0" presId="urn:microsoft.com/office/officeart/2005/8/layout/process5"/>
     <dgm:cxn modelId="{20D5FC56-6909-433F-904E-67A17C407FAC}" type="presParOf" srcId="{C4E5DD75-72C1-4DFF-8D91-051152C488FD}" destId="{1B59E2AF-0D52-483A-B065-A9DDB27C6D5D}" srcOrd="1" destOrd="0" presId="urn:microsoft.com/office/officeart/2005/8/layout/process5"/>
@@ -7178,237 +7178,6 @@
       <dsp:cNvGrpSpPr/>
     </dsp:nvGrpSpPr>
     <dsp:grpSpPr/>
-    <dsp:sp modelId="{0387A725-3716-492B-929D-7BBED9A644CB}">
-      <dsp:nvSpPr>
-        <dsp:cNvPr id="0" name=""/>
-        <dsp:cNvSpPr/>
-      </dsp:nvSpPr>
-      <dsp:spPr>
-        <a:xfrm>
-          <a:off x="0" y="2923087"/>
-          <a:ext cx="3047570" cy="959422"/>
-        </a:xfrm>
-        <a:prstGeom prst="rect">
-          <a:avLst/>
-        </a:prstGeom>
-        <a:solidFill>
-          <a:schemeClr val="accent1">
-            <a:shade val="50000"/>
-            <a:hueOff val="0"/>
-            <a:satOff val="0"/>
-            <a:lumOff val="0"/>
-            <a:alphaOff val="0"/>
-          </a:schemeClr>
-        </a:solidFill>
-        <a:ln>
-          <a:noFill/>
-        </a:ln>
-        <a:effectLst/>
-        <a:scene3d>
-          <a:camera prst="orthographicFront"/>
-          <a:lightRig rig="chilly" dir="t"/>
-        </a:scene3d>
-        <a:sp3d prstMaterial="translucentPowder">
-          <a:bevelT w="127000" h="25400" prst="softRound"/>
-        </a:sp3d>
-      </dsp:spPr>
-      <dsp:style>
-        <a:lnRef idx="0">
-          <a:scrgbClr r="0" g="0" b="0"/>
-        </a:lnRef>
-        <a:fillRef idx="1">
-          <a:scrgbClr r="0" g="0" b="0"/>
-        </a:fillRef>
-        <a:effectRef idx="0">
-          <a:scrgbClr r="0" g="0" b="0"/>
-        </a:effectRef>
-        <a:fontRef idx="minor">
-          <a:schemeClr val="lt1"/>
-        </a:fontRef>
-      </dsp:style>
-      <dsp:txBody>
-        <a:bodyPr spcFirstLastPara="0" vert="horz" wrap="square" lIns="241808" tIns="241808" rIns="241808" bIns="241808" numCol="1" spcCol="1270" anchor="ctr" anchorCtr="0">
-          <a:noAutofit/>
-        </a:bodyPr>
-        <a:lstStyle/>
-        <a:p>
-          <a:pPr lvl="0" algn="ctr" defTabSz="1511300">
-            <a:lnSpc>
-              <a:spcPct val="90000"/>
-            </a:lnSpc>
-            <a:spcBef>
-              <a:spcPct val="0"/>
-            </a:spcBef>
-            <a:spcAft>
-              <a:spcPct val="35000"/>
-            </a:spcAft>
-          </a:pPr>
-          <a:r>
-            <a:rPr lang="en-US" sz="3400" kern="1200" dirty="0" smtClean="0"/>
-            <a:t>Data</a:t>
-          </a:r>
-          <a:endParaRPr lang="en-US" sz="3400" kern="1200" dirty="0"/>
-        </a:p>
-      </dsp:txBody>
-      <dsp:txXfrm>
-        <a:off x="0" y="2923087"/>
-        <a:ext cx="3047570" cy="959422"/>
-      </dsp:txXfrm>
-    </dsp:sp>
-    <dsp:sp modelId="{D556EAA0-4173-4E2E-B239-96B3AAF9DADF}">
-      <dsp:nvSpPr>
-        <dsp:cNvPr id="0" name=""/>
-        <dsp:cNvSpPr/>
-      </dsp:nvSpPr>
-      <dsp:spPr>
-        <a:xfrm rot="10800000">
-          <a:off x="0" y="1461887"/>
-          <a:ext cx="3047570" cy="1475592"/>
-        </a:xfrm>
-        <a:prstGeom prst="upArrowCallout">
-          <a:avLst/>
-        </a:prstGeom>
-        <a:solidFill>
-          <a:schemeClr val="accent1">
-            <a:shade val="50000"/>
-            <a:hueOff val="-119252"/>
-            <a:satOff val="6749"/>
-            <a:lumOff val="25087"/>
-            <a:alphaOff val="0"/>
-          </a:schemeClr>
-        </a:solidFill>
-        <a:ln>
-          <a:noFill/>
-        </a:ln>
-        <a:effectLst/>
-        <a:scene3d>
-          <a:camera prst="orthographicFront"/>
-          <a:lightRig rig="chilly" dir="t"/>
-        </a:scene3d>
-        <a:sp3d prstMaterial="translucentPowder">
-          <a:bevelT w="127000" h="25400" prst="softRound"/>
-        </a:sp3d>
-      </dsp:spPr>
-      <dsp:style>
-        <a:lnRef idx="0">
-          <a:scrgbClr r="0" g="0" b="0"/>
-        </a:lnRef>
-        <a:fillRef idx="1">
-          <a:scrgbClr r="0" g="0" b="0"/>
-        </a:fillRef>
-        <a:effectRef idx="0">
-          <a:scrgbClr r="0" g="0" b="0"/>
-        </a:effectRef>
-        <a:fontRef idx="minor">
-          <a:schemeClr val="lt1"/>
-        </a:fontRef>
-      </dsp:style>
-      <dsp:txBody>
-        <a:bodyPr spcFirstLastPara="0" vert="horz" wrap="square" lIns="241808" tIns="241808" rIns="241808" bIns="241808" numCol="1" spcCol="1270" anchor="ctr" anchorCtr="0">
-          <a:noAutofit/>
-        </a:bodyPr>
-        <a:lstStyle/>
-        <a:p>
-          <a:pPr lvl="0" algn="ctr" defTabSz="1511300">
-            <a:lnSpc>
-              <a:spcPct val="90000"/>
-            </a:lnSpc>
-            <a:spcBef>
-              <a:spcPct val="0"/>
-            </a:spcBef>
-            <a:spcAft>
-              <a:spcPct val="35000"/>
-            </a:spcAft>
-          </a:pPr>
-          <a:r>
-            <a:rPr lang="en-US" sz="3400" kern="1200" dirty="0" smtClean="0"/>
-            <a:t>Business</a:t>
-          </a:r>
-          <a:endParaRPr lang="en-US" sz="3400" kern="1200" dirty="0"/>
-        </a:p>
-      </dsp:txBody>
-      <dsp:txXfrm rot="10800000">
-        <a:off x="0" y="1461887"/>
-        <a:ext cx="3047570" cy="958795"/>
-      </dsp:txXfrm>
-    </dsp:sp>
-    <dsp:sp modelId="{8684A1C5-4D0B-43B1-B83A-044EB1A55C6E}">
-      <dsp:nvSpPr>
-        <dsp:cNvPr id="0" name=""/>
-        <dsp:cNvSpPr/>
-      </dsp:nvSpPr>
-      <dsp:spPr>
-        <a:xfrm rot="10800000">
-          <a:off x="0" y="0"/>
-          <a:ext cx="3047570" cy="1475592"/>
-        </a:xfrm>
-        <a:prstGeom prst="upArrowCallout">
-          <a:avLst/>
-        </a:prstGeom>
-        <a:solidFill>
-          <a:schemeClr val="accent1">
-            <a:shade val="50000"/>
-            <a:hueOff val="-119252"/>
-            <a:satOff val="6749"/>
-            <a:lumOff val="25087"/>
-            <a:alphaOff val="0"/>
-          </a:schemeClr>
-        </a:solidFill>
-        <a:ln>
-          <a:noFill/>
-        </a:ln>
-        <a:effectLst/>
-        <a:scene3d>
-          <a:camera prst="orthographicFront"/>
-          <a:lightRig rig="chilly" dir="t"/>
-        </a:scene3d>
-        <a:sp3d prstMaterial="translucentPowder">
-          <a:bevelT w="127000" h="25400" prst="softRound"/>
-        </a:sp3d>
-      </dsp:spPr>
-      <dsp:style>
-        <a:lnRef idx="0">
-          <a:scrgbClr r="0" g="0" b="0"/>
-        </a:lnRef>
-        <a:fillRef idx="1">
-          <a:scrgbClr r="0" g="0" b="0"/>
-        </a:fillRef>
-        <a:effectRef idx="0">
-          <a:scrgbClr r="0" g="0" b="0"/>
-        </a:effectRef>
-        <a:fontRef idx="minor">
-          <a:schemeClr val="lt1"/>
-        </a:fontRef>
-      </dsp:style>
-      <dsp:txBody>
-        <a:bodyPr spcFirstLastPara="0" vert="horz" wrap="square" lIns="241808" tIns="241808" rIns="241808" bIns="241808" numCol="1" spcCol="1270" anchor="ctr" anchorCtr="0">
-          <a:noAutofit/>
-        </a:bodyPr>
-        <a:lstStyle/>
-        <a:p>
-          <a:pPr lvl="0" algn="ctr" defTabSz="1511300">
-            <a:lnSpc>
-              <a:spcPct val="90000"/>
-            </a:lnSpc>
-            <a:spcBef>
-              <a:spcPct val="0"/>
-            </a:spcBef>
-            <a:spcAft>
-              <a:spcPct val="35000"/>
-            </a:spcAft>
-          </a:pPr>
-          <a:r>
-            <a:rPr lang="en-US" sz="3400" kern="1200" dirty="0" smtClean="0"/>
-            <a:t>UI</a:t>
-          </a:r>
-          <a:endParaRPr lang="en-US" sz="3400" kern="1200" dirty="0"/>
-        </a:p>
-      </dsp:txBody>
-      <dsp:txXfrm rot="10800000">
-        <a:off x="0" y="0"/>
-        <a:ext cx="3047570" cy="958795"/>
-      </dsp:txXfrm>
-    </dsp:sp>
   </dsp:spTree>
 </dsp:drawing>
 </file>
@@ -7421,446 +7190,6 @@
       <dsp:cNvGrpSpPr/>
     </dsp:nvGrpSpPr>
     <dsp:grpSpPr/>
-    <dsp:sp modelId="{4968EDD7-6387-4F34-81C8-05674AF916F6}">
-      <dsp:nvSpPr>
-        <dsp:cNvPr id="0" name=""/>
-        <dsp:cNvSpPr/>
-      </dsp:nvSpPr>
-      <dsp:spPr>
-        <a:xfrm>
-          <a:off x="0" y="3495875"/>
-          <a:ext cx="2660393" cy="764812"/>
-        </a:xfrm>
-        <a:prstGeom prst="rect">
-          <a:avLst/>
-        </a:prstGeom>
-        <a:gradFill rotWithShape="0">
-          <a:gsLst>
-            <a:gs pos="0">
-              <a:schemeClr val="accent3">
-                <a:shade val="80000"/>
-                <a:hueOff val="0"/>
-                <a:satOff val="0"/>
-                <a:lumOff val="0"/>
-                <a:alphaOff val="0"/>
-                <a:satMod val="103000"/>
-                <a:lumMod val="102000"/>
-                <a:tint val="94000"/>
-              </a:schemeClr>
-            </a:gs>
-            <a:gs pos="50000">
-              <a:schemeClr val="accent3">
-                <a:shade val="80000"/>
-                <a:hueOff val="0"/>
-                <a:satOff val="0"/>
-                <a:lumOff val="0"/>
-                <a:alphaOff val="0"/>
-                <a:satMod val="110000"/>
-                <a:lumMod val="100000"/>
-                <a:shade val="100000"/>
-              </a:schemeClr>
-            </a:gs>
-            <a:gs pos="100000">
-              <a:schemeClr val="accent3">
-                <a:shade val="80000"/>
-                <a:hueOff val="0"/>
-                <a:satOff val="0"/>
-                <a:lumOff val="0"/>
-                <a:alphaOff val="0"/>
-                <a:lumMod val="99000"/>
-                <a:satMod val="120000"/>
-                <a:shade val="78000"/>
-              </a:schemeClr>
-            </a:gs>
-          </a:gsLst>
-          <a:lin ang="5400000" scaled="0"/>
-        </a:gradFill>
-        <a:ln>
-          <a:noFill/>
-        </a:ln>
-        <a:effectLst/>
-        <a:scene3d>
-          <a:camera prst="orthographicFront"/>
-          <a:lightRig rig="flat" dir="t"/>
-        </a:scene3d>
-        <a:sp3d prstMaterial="plastic">
-          <a:bevelT w="120900" h="88900"/>
-          <a:bevelB w="88900" h="31750" prst="angle"/>
-        </a:sp3d>
-      </dsp:spPr>
-      <dsp:style>
-        <a:lnRef idx="0">
-          <a:scrgbClr r="0" g="0" b="0"/>
-        </a:lnRef>
-        <a:fillRef idx="3">
-          <a:scrgbClr r="0" g="0" b="0"/>
-        </a:fillRef>
-        <a:effectRef idx="2">
-          <a:scrgbClr r="0" g="0" b="0"/>
-        </a:effectRef>
-        <a:fontRef idx="minor">
-          <a:schemeClr val="lt1"/>
-        </a:fontRef>
-      </dsp:style>
-      <dsp:txBody>
-        <a:bodyPr spcFirstLastPara="0" vert="horz" wrap="square" lIns="149352" tIns="149352" rIns="149352" bIns="149352" numCol="1" spcCol="1270" anchor="ctr" anchorCtr="0">
-          <a:noAutofit/>
-        </a:bodyPr>
-        <a:lstStyle/>
-        <a:p>
-          <a:pPr lvl="0" algn="ctr" defTabSz="933450">
-            <a:lnSpc>
-              <a:spcPct val="90000"/>
-            </a:lnSpc>
-            <a:spcBef>
-              <a:spcPct val="0"/>
-            </a:spcBef>
-            <a:spcAft>
-              <a:spcPct val="35000"/>
-            </a:spcAft>
-          </a:pPr>
-          <a:r>
-            <a:rPr lang="en-US" sz="2100" kern="1200" dirty="0" smtClean="0"/>
-            <a:t>Entity Framework</a:t>
-          </a:r>
-          <a:endParaRPr lang="en-US" sz="2100" kern="1200" dirty="0"/>
-        </a:p>
-      </dsp:txBody>
-      <dsp:txXfrm>
-        <a:off x="0" y="3495875"/>
-        <a:ext cx="2660393" cy="764812"/>
-      </dsp:txXfrm>
-    </dsp:sp>
-    <dsp:sp modelId="{A8F8E991-020B-42EF-A236-AA5F75D09708}">
-      <dsp:nvSpPr>
-        <dsp:cNvPr id="0" name=""/>
-        <dsp:cNvSpPr/>
-      </dsp:nvSpPr>
-      <dsp:spPr>
-        <a:xfrm rot="10800000">
-          <a:off x="0" y="2331066"/>
-          <a:ext cx="2660393" cy="1176281"/>
-        </a:xfrm>
-        <a:prstGeom prst="upArrowCallout">
-          <a:avLst/>
-        </a:prstGeom>
-        <a:gradFill rotWithShape="0">
-          <a:gsLst>
-            <a:gs pos="0">
-              <a:schemeClr val="accent3">
-                <a:shade val="80000"/>
-                <a:hueOff val="79677"/>
-                <a:satOff val="3167"/>
-                <a:lumOff val="7051"/>
-                <a:alphaOff val="0"/>
-                <a:satMod val="103000"/>
-                <a:lumMod val="102000"/>
-                <a:tint val="94000"/>
-              </a:schemeClr>
-            </a:gs>
-            <a:gs pos="50000">
-              <a:schemeClr val="accent3">
-                <a:shade val="80000"/>
-                <a:hueOff val="79677"/>
-                <a:satOff val="3167"/>
-                <a:lumOff val="7051"/>
-                <a:alphaOff val="0"/>
-                <a:satMod val="110000"/>
-                <a:lumMod val="100000"/>
-                <a:shade val="100000"/>
-              </a:schemeClr>
-            </a:gs>
-            <a:gs pos="100000">
-              <a:schemeClr val="accent3">
-                <a:shade val="80000"/>
-                <a:hueOff val="79677"/>
-                <a:satOff val="3167"/>
-                <a:lumOff val="7051"/>
-                <a:alphaOff val="0"/>
-                <a:lumMod val="99000"/>
-                <a:satMod val="120000"/>
-                <a:shade val="78000"/>
-              </a:schemeClr>
-            </a:gs>
-          </a:gsLst>
-          <a:lin ang="5400000" scaled="0"/>
-        </a:gradFill>
-        <a:ln>
-          <a:noFill/>
-        </a:ln>
-        <a:effectLst/>
-        <a:scene3d>
-          <a:camera prst="orthographicFront"/>
-          <a:lightRig rig="flat" dir="t"/>
-        </a:scene3d>
-        <a:sp3d prstMaterial="plastic">
-          <a:bevelT w="120900" h="88900"/>
-          <a:bevelB w="88900" h="31750" prst="angle"/>
-        </a:sp3d>
-      </dsp:spPr>
-      <dsp:style>
-        <a:lnRef idx="0">
-          <a:scrgbClr r="0" g="0" b="0"/>
-        </a:lnRef>
-        <a:fillRef idx="3">
-          <a:scrgbClr r="0" g="0" b="0"/>
-        </a:fillRef>
-        <a:effectRef idx="2">
-          <a:scrgbClr r="0" g="0" b="0"/>
-        </a:effectRef>
-        <a:fontRef idx="minor">
-          <a:schemeClr val="lt1"/>
-        </a:fontRef>
-      </dsp:style>
-      <dsp:txBody>
-        <a:bodyPr spcFirstLastPara="0" vert="horz" wrap="square" lIns="149352" tIns="149352" rIns="149352" bIns="149352" numCol="1" spcCol="1270" anchor="ctr" anchorCtr="0">
-          <a:noAutofit/>
-        </a:bodyPr>
-        <a:lstStyle/>
-        <a:p>
-          <a:pPr lvl="0" algn="ctr" defTabSz="933450">
-            <a:lnSpc>
-              <a:spcPct val="90000"/>
-            </a:lnSpc>
-            <a:spcBef>
-              <a:spcPct val="0"/>
-            </a:spcBef>
-            <a:spcAft>
-              <a:spcPct val="35000"/>
-            </a:spcAft>
-          </a:pPr>
-          <a:r>
-            <a:rPr lang="en-US" sz="2100" kern="1200" dirty="0" smtClean="0"/>
-            <a:t>Business Logic (C#)</a:t>
-          </a:r>
-          <a:endParaRPr lang="en-US" sz="2100" kern="1200" dirty="0"/>
-        </a:p>
-      </dsp:txBody>
-      <dsp:txXfrm rot="10800000">
-        <a:off x="0" y="2331066"/>
-        <a:ext cx="2660393" cy="764312"/>
-      </dsp:txXfrm>
-    </dsp:sp>
-    <dsp:sp modelId="{F2DC0448-FD96-4B55-B801-FFF722361D89}">
-      <dsp:nvSpPr>
-        <dsp:cNvPr id="0" name=""/>
-        <dsp:cNvSpPr/>
-      </dsp:nvSpPr>
-      <dsp:spPr>
-        <a:xfrm rot="10800000">
-          <a:off x="0" y="1166257"/>
-          <a:ext cx="2660393" cy="1176281"/>
-        </a:xfrm>
-        <a:prstGeom prst="upArrowCallout">
-          <a:avLst/>
-        </a:prstGeom>
-        <a:gradFill rotWithShape="0">
-          <a:gsLst>
-            <a:gs pos="0">
-              <a:schemeClr val="accent3">
-                <a:shade val="80000"/>
-                <a:hueOff val="159354"/>
-                <a:satOff val="6333"/>
-                <a:lumOff val="14102"/>
-                <a:alphaOff val="0"/>
-                <a:satMod val="103000"/>
-                <a:lumMod val="102000"/>
-                <a:tint val="94000"/>
-              </a:schemeClr>
-            </a:gs>
-            <a:gs pos="50000">
-              <a:schemeClr val="accent3">
-                <a:shade val="80000"/>
-                <a:hueOff val="159354"/>
-                <a:satOff val="6333"/>
-                <a:lumOff val="14102"/>
-                <a:alphaOff val="0"/>
-                <a:satMod val="110000"/>
-                <a:lumMod val="100000"/>
-                <a:shade val="100000"/>
-              </a:schemeClr>
-            </a:gs>
-            <a:gs pos="100000">
-              <a:schemeClr val="accent3">
-                <a:shade val="80000"/>
-                <a:hueOff val="159354"/>
-                <a:satOff val="6333"/>
-                <a:lumOff val="14102"/>
-                <a:alphaOff val="0"/>
-                <a:lumMod val="99000"/>
-                <a:satMod val="120000"/>
-                <a:shade val="78000"/>
-              </a:schemeClr>
-            </a:gs>
-          </a:gsLst>
-          <a:lin ang="5400000" scaled="0"/>
-        </a:gradFill>
-        <a:ln>
-          <a:noFill/>
-        </a:ln>
-        <a:effectLst/>
-        <a:scene3d>
-          <a:camera prst="orthographicFront"/>
-          <a:lightRig rig="flat" dir="t"/>
-        </a:scene3d>
-        <a:sp3d prstMaterial="plastic">
-          <a:bevelT w="120900" h="88900"/>
-          <a:bevelB w="88900" h="31750" prst="angle"/>
-        </a:sp3d>
-      </dsp:spPr>
-      <dsp:style>
-        <a:lnRef idx="0">
-          <a:scrgbClr r="0" g="0" b="0"/>
-        </a:lnRef>
-        <a:fillRef idx="3">
-          <a:scrgbClr r="0" g="0" b="0"/>
-        </a:fillRef>
-        <a:effectRef idx="2">
-          <a:scrgbClr r="0" g="0" b="0"/>
-        </a:effectRef>
-        <a:fontRef idx="minor">
-          <a:schemeClr val="lt1"/>
-        </a:fontRef>
-      </dsp:style>
-      <dsp:txBody>
-        <a:bodyPr spcFirstLastPara="0" vert="horz" wrap="square" lIns="149352" tIns="149352" rIns="149352" bIns="149352" numCol="1" spcCol="1270" anchor="ctr" anchorCtr="0">
-          <a:noAutofit/>
-        </a:bodyPr>
-        <a:lstStyle/>
-        <a:p>
-          <a:pPr lvl="0" algn="ctr" defTabSz="933450">
-            <a:lnSpc>
-              <a:spcPct val="90000"/>
-            </a:lnSpc>
-            <a:spcBef>
-              <a:spcPct val="0"/>
-            </a:spcBef>
-            <a:spcAft>
-              <a:spcPct val="35000"/>
-            </a:spcAft>
-          </a:pPr>
-          <a:r>
-            <a:rPr lang="en-US" sz="2100" kern="1200" dirty="0" smtClean="0"/>
-            <a:t>ASP.NET Controllers</a:t>
-          </a:r>
-          <a:endParaRPr lang="en-US" sz="2100" kern="1200" dirty="0"/>
-        </a:p>
-      </dsp:txBody>
-      <dsp:txXfrm rot="10800000">
-        <a:off x="0" y="1166257"/>
-        <a:ext cx="2660393" cy="764312"/>
-      </dsp:txXfrm>
-    </dsp:sp>
-    <dsp:sp modelId="{22E91097-1814-45A6-ACC7-B4EE3772F113}">
-      <dsp:nvSpPr>
-        <dsp:cNvPr id="0" name=""/>
-        <dsp:cNvSpPr/>
-      </dsp:nvSpPr>
-      <dsp:spPr>
-        <a:xfrm rot="10800000">
-          <a:off x="0" y="1448"/>
-          <a:ext cx="2660393" cy="1176281"/>
-        </a:xfrm>
-        <a:prstGeom prst="upArrowCallout">
-          <a:avLst/>
-        </a:prstGeom>
-        <a:gradFill rotWithShape="0">
-          <a:gsLst>
-            <a:gs pos="0">
-              <a:schemeClr val="accent3">
-                <a:shade val="80000"/>
-                <a:hueOff val="239030"/>
-                <a:satOff val="9500"/>
-                <a:lumOff val="21153"/>
-                <a:alphaOff val="0"/>
-                <a:satMod val="103000"/>
-                <a:lumMod val="102000"/>
-                <a:tint val="94000"/>
-              </a:schemeClr>
-            </a:gs>
-            <a:gs pos="50000">
-              <a:schemeClr val="accent3">
-                <a:shade val="80000"/>
-                <a:hueOff val="239030"/>
-                <a:satOff val="9500"/>
-                <a:lumOff val="21153"/>
-                <a:alphaOff val="0"/>
-                <a:satMod val="110000"/>
-                <a:lumMod val="100000"/>
-                <a:shade val="100000"/>
-              </a:schemeClr>
-            </a:gs>
-            <a:gs pos="100000">
-              <a:schemeClr val="accent3">
-                <a:shade val="80000"/>
-                <a:hueOff val="239030"/>
-                <a:satOff val="9500"/>
-                <a:lumOff val="21153"/>
-                <a:alphaOff val="0"/>
-                <a:lumMod val="99000"/>
-                <a:satMod val="120000"/>
-                <a:shade val="78000"/>
-              </a:schemeClr>
-            </a:gs>
-          </a:gsLst>
-          <a:lin ang="5400000" scaled="0"/>
-        </a:gradFill>
-        <a:ln>
-          <a:noFill/>
-        </a:ln>
-        <a:effectLst/>
-        <a:scene3d>
-          <a:camera prst="orthographicFront"/>
-          <a:lightRig rig="flat" dir="t"/>
-        </a:scene3d>
-        <a:sp3d prstMaterial="plastic">
-          <a:bevelT w="120900" h="88900"/>
-          <a:bevelB w="88900" h="31750" prst="angle"/>
-        </a:sp3d>
-      </dsp:spPr>
-      <dsp:style>
-        <a:lnRef idx="0">
-          <a:scrgbClr r="0" g="0" b="0"/>
-        </a:lnRef>
-        <a:fillRef idx="3">
-          <a:scrgbClr r="0" g="0" b="0"/>
-        </a:fillRef>
-        <a:effectRef idx="2">
-          <a:scrgbClr r="0" g="0" b="0"/>
-        </a:effectRef>
-        <a:fontRef idx="minor">
-          <a:schemeClr val="lt1"/>
-        </a:fontRef>
-      </dsp:style>
-      <dsp:txBody>
-        <a:bodyPr spcFirstLastPara="0" vert="horz" wrap="square" lIns="149352" tIns="149352" rIns="149352" bIns="149352" numCol="1" spcCol="1270" anchor="ctr" anchorCtr="0">
-          <a:noAutofit/>
-        </a:bodyPr>
-        <a:lstStyle/>
-        <a:p>
-          <a:pPr lvl="0" algn="ctr" defTabSz="933450">
-            <a:lnSpc>
-              <a:spcPct val="90000"/>
-            </a:lnSpc>
-            <a:spcBef>
-              <a:spcPct val="0"/>
-            </a:spcBef>
-            <a:spcAft>
-              <a:spcPct val="35000"/>
-            </a:spcAft>
-          </a:pPr>
-          <a:r>
-            <a:rPr lang="en-US" sz="2100" kern="1200" dirty="0" smtClean="0"/>
-            <a:t>Razor Views</a:t>
-          </a:r>
-          <a:endParaRPr lang="en-US" sz="2100" kern="1200" dirty="0"/>
-        </a:p>
-      </dsp:txBody>
-      <dsp:txXfrm rot="10800000">
-        <a:off x="0" y="1448"/>
-        <a:ext cx="2660393" cy="764312"/>
-      </dsp:txXfrm>
-    </dsp:sp>
   </dsp:spTree>
 </dsp:drawing>
 </file>
@@ -7873,556 +7202,6 @@
       <dsp:cNvGrpSpPr/>
     </dsp:nvGrpSpPr>
     <dsp:grpSpPr/>
-    <dsp:sp modelId="{4968EDD7-6387-4F34-81C8-05674AF916F6}">
-      <dsp:nvSpPr>
-        <dsp:cNvPr id="0" name=""/>
-        <dsp:cNvSpPr/>
-      </dsp:nvSpPr>
-      <dsp:spPr>
-        <a:xfrm>
-          <a:off x="0" y="3659696"/>
-          <a:ext cx="3228803" cy="600403"/>
-        </a:xfrm>
-        <a:prstGeom prst="rect">
-          <a:avLst/>
-        </a:prstGeom>
-        <a:gradFill rotWithShape="0">
-          <a:gsLst>
-            <a:gs pos="0">
-              <a:schemeClr val="accent6">
-                <a:shade val="80000"/>
-                <a:hueOff val="0"/>
-                <a:satOff val="0"/>
-                <a:lumOff val="0"/>
-                <a:alphaOff val="0"/>
-                <a:satMod val="103000"/>
-                <a:lumMod val="102000"/>
-                <a:tint val="94000"/>
-              </a:schemeClr>
-            </a:gs>
-            <a:gs pos="50000">
-              <a:schemeClr val="accent6">
-                <a:shade val="80000"/>
-                <a:hueOff val="0"/>
-                <a:satOff val="0"/>
-                <a:lumOff val="0"/>
-                <a:alphaOff val="0"/>
-                <a:satMod val="110000"/>
-                <a:lumMod val="100000"/>
-                <a:shade val="100000"/>
-              </a:schemeClr>
-            </a:gs>
-            <a:gs pos="100000">
-              <a:schemeClr val="accent6">
-                <a:shade val="80000"/>
-                <a:hueOff val="0"/>
-                <a:satOff val="0"/>
-                <a:lumOff val="0"/>
-                <a:alphaOff val="0"/>
-                <a:lumMod val="99000"/>
-                <a:satMod val="120000"/>
-                <a:shade val="78000"/>
-              </a:schemeClr>
-            </a:gs>
-          </a:gsLst>
-          <a:lin ang="5400000" scaled="0"/>
-        </a:gradFill>
-        <a:ln>
-          <a:noFill/>
-        </a:ln>
-        <a:effectLst/>
-        <a:scene3d>
-          <a:camera prst="orthographicFront"/>
-          <a:lightRig rig="flat" dir="t"/>
-        </a:scene3d>
-        <a:sp3d prstMaterial="plastic">
-          <a:bevelT w="120900" h="88900"/>
-          <a:bevelB w="88900" h="31750" prst="angle"/>
-        </a:sp3d>
-      </dsp:spPr>
-      <dsp:style>
-        <a:lnRef idx="0">
-          <a:scrgbClr r="0" g="0" b="0"/>
-        </a:lnRef>
-        <a:fillRef idx="3">
-          <a:scrgbClr r="0" g="0" b="0"/>
-        </a:fillRef>
-        <a:effectRef idx="2">
-          <a:scrgbClr r="0" g="0" b="0"/>
-        </a:effectRef>
-        <a:fontRef idx="minor">
-          <a:schemeClr val="lt1"/>
-        </a:fontRef>
-      </dsp:style>
-      <dsp:txBody>
-        <a:bodyPr spcFirstLastPara="0" vert="horz" wrap="square" lIns="149352" tIns="149352" rIns="149352" bIns="149352" numCol="1" spcCol="1270" anchor="ctr" anchorCtr="0">
-          <a:noAutofit/>
-        </a:bodyPr>
-        <a:lstStyle/>
-        <a:p>
-          <a:pPr lvl="0" algn="ctr" defTabSz="933450">
-            <a:lnSpc>
-              <a:spcPct val="90000"/>
-            </a:lnSpc>
-            <a:spcBef>
-              <a:spcPct val="0"/>
-            </a:spcBef>
-            <a:spcAft>
-              <a:spcPct val="35000"/>
-            </a:spcAft>
-          </a:pPr>
-          <a:r>
-            <a:rPr lang="en-US" sz="2100" kern="1200" dirty="0" smtClean="0"/>
-            <a:t>Entity Framework</a:t>
-          </a:r>
-          <a:endParaRPr lang="en-US" sz="2100" kern="1200" dirty="0"/>
-        </a:p>
-      </dsp:txBody>
-      <dsp:txXfrm>
-        <a:off x="0" y="3659696"/>
-        <a:ext cx="3228803" cy="600403"/>
-      </dsp:txXfrm>
-    </dsp:sp>
-    <dsp:sp modelId="{F8E32A7E-CA64-462A-830B-EC4E296ABEA8}">
-      <dsp:nvSpPr>
-        <dsp:cNvPr id="0" name=""/>
-        <dsp:cNvSpPr/>
-      </dsp:nvSpPr>
-      <dsp:spPr>
-        <a:xfrm rot="10800000">
-          <a:off x="0" y="2745281"/>
-          <a:ext cx="3228803" cy="923420"/>
-        </a:xfrm>
-        <a:prstGeom prst="upArrowCallout">
-          <a:avLst/>
-        </a:prstGeom>
-        <a:gradFill rotWithShape="0">
-          <a:gsLst>
-            <a:gs pos="0">
-              <a:schemeClr val="accent6">
-                <a:shade val="80000"/>
-                <a:hueOff val="-85561"/>
-                <a:satOff val="-1513"/>
-                <a:lumOff val="6904"/>
-                <a:alphaOff val="0"/>
-                <a:satMod val="103000"/>
-                <a:lumMod val="102000"/>
-                <a:tint val="94000"/>
-              </a:schemeClr>
-            </a:gs>
-            <a:gs pos="50000">
-              <a:schemeClr val="accent6">
-                <a:shade val="80000"/>
-                <a:hueOff val="-85561"/>
-                <a:satOff val="-1513"/>
-                <a:lumOff val="6904"/>
-                <a:alphaOff val="0"/>
-                <a:satMod val="110000"/>
-                <a:lumMod val="100000"/>
-                <a:shade val="100000"/>
-              </a:schemeClr>
-            </a:gs>
-            <a:gs pos="100000">
-              <a:schemeClr val="accent6">
-                <a:shade val="80000"/>
-                <a:hueOff val="-85561"/>
-                <a:satOff val="-1513"/>
-                <a:lumOff val="6904"/>
-                <a:alphaOff val="0"/>
-                <a:lumMod val="99000"/>
-                <a:satMod val="120000"/>
-                <a:shade val="78000"/>
-              </a:schemeClr>
-            </a:gs>
-          </a:gsLst>
-          <a:lin ang="5400000" scaled="0"/>
-        </a:gradFill>
-        <a:ln>
-          <a:noFill/>
-        </a:ln>
-        <a:effectLst/>
-        <a:scene3d>
-          <a:camera prst="orthographicFront"/>
-          <a:lightRig rig="flat" dir="t"/>
-        </a:scene3d>
-        <a:sp3d prstMaterial="plastic">
-          <a:bevelT w="120900" h="88900"/>
-          <a:bevelB w="88900" h="31750" prst="angle"/>
-        </a:sp3d>
-      </dsp:spPr>
-      <dsp:style>
-        <a:lnRef idx="0">
-          <a:scrgbClr r="0" g="0" b="0"/>
-        </a:lnRef>
-        <a:fillRef idx="3">
-          <a:scrgbClr r="0" g="0" b="0"/>
-        </a:fillRef>
-        <a:effectRef idx="2">
-          <a:scrgbClr r="0" g="0" b="0"/>
-        </a:effectRef>
-        <a:fontRef idx="minor">
-          <a:schemeClr val="lt1"/>
-        </a:fontRef>
-      </dsp:style>
-      <dsp:txBody>
-        <a:bodyPr spcFirstLastPara="0" vert="horz" wrap="square" lIns="149352" tIns="149352" rIns="149352" bIns="149352" numCol="1" spcCol="1270" anchor="ctr" anchorCtr="0">
-          <a:noAutofit/>
-        </a:bodyPr>
-        <a:lstStyle/>
-        <a:p>
-          <a:pPr lvl="0" algn="ctr" defTabSz="933450">
-            <a:lnSpc>
-              <a:spcPct val="90000"/>
-            </a:lnSpc>
-            <a:spcBef>
-              <a:spcPct val="0"/>
-            </a:spcBef>
-            <a:spcAft>
-              <a:spcPct val="35000"/>
-            </a:spcAft>
-          </a:pPr>
-          <a:r>
-            <a:rPr lang="en-US" sz="2100" kern="1200" dirty="0" smtClean="0"/>
-            <a:t>Business Logic (C#)</a:t>
-          </a:r>
-          <a:endParaRPr lang="en-US" sz="2100" kern="1200" dirty="0"/>
-        </a:p>
-      </dsp:txBody>
-      <dsp:txXfrm rot="10800000">
-        <a:off x="0" y="2745281"/>
-        <a:ext cx="3228803" cy="600011"/>
-      </dsp:txXfrm>
-    </dsp:sp>
-    <dsp:sp modelId="{F2DC0448-FD96-4B55-B801-FFF722361D89}">
-      <dsp:nvSpPr>
-        <dsp:cNvPr id="0" name=""/>
-        <dsp:cNvSpPr/>
-      </dsp:nvSpPr>
-      <dsp:spPr>
-        <a:xfrm rot="10800000">
-          <a:off x="0" y="1830866"/>
-          <a:ext cx="3228803" cy="923420"/>
-        </a:xfrm>
-        <a:prstGeom prst="upArrowCallout">
-          <a:avLst/>
-        </a:prstGeom>
-        <a:gradFill rotWithShape="0">
-          <a:gsLst>
-            <a:gs pos="0">
-              <a:schemeClr val="accent6">
-                <a:shade val="80000"/>
-                <a:hueOff val="-171123"/>
-                <a:satOff val="-3026"/>
-                <a:lumOff val="13807"/>
-                <a:alphaOff val="0"/>
-                <a:satMod val="103000"/>
-                <a:lumMod val="102000"/>
-                <a:tint val="94000"/>
-              </a:schemeClr>
-            </a:gs>
-            <a:gs pos="50000">
-              <a:schemeClr val="accent6">
-                <a:shade val="80000"/>
-                <a:hueOff val="-171123"/>
-                <a:satOff val="-3026"/>
-                <a:lumOff val="13807"/>
-                <a:alphaOff val="0"/>
-                <a:satMod val="110000"/>
-                <a:lumMod val="100000"/>
-                <a:shade val="100000"/>
-              </a:schemeClr>
-            </a:gs>
-            <a:gs pos="100000">
-              <a:schemeClr val="accent6">
-                <a:shade val="80000"/>
-                <a:hueOff val="-171123"/>
-                <a:satOff val="-3026"/>
-                <a:lumOff val="13807"/>
-                <a:alphaOff val="0"/>
-                <a:lumMod val="99000"/>
-                <a:satMod val="120000"/>
-                <a:shade val="78000"/>
-              </a:schemeClr>
-            </a:gs>
-          </a:gsLst>
-          <a:lin ang="5400000" scaled="0"/>
-        </a:gradFill>
-        <a:ln>
-          <a:noFill/>
-        </a:ln>
-        <a:effectLst/>
-        <a:scene3d>
-          <a:camera prst="orthographicFront"/>
-          <a:lightRig rig="flat" dir="t"/>
-        </a:scene3d>
-        <a:sp3d prstMaterial="plastic">
-          <a:bevelT w="120900" h="88900"/>
-          <a:bevelB w="88900" h="31750" prst="angle"/>
-        </a:sp3d>
-      </dsp:spPr>
-      <dsp:style>
-        <a:lnRef idx="0">
-          <a:scrgbClr r="0" g="0" b="0"/>
-        </a:lnRef>
-        <a:fillRef idx="3">
-          <a:scrgbClr r="0" g="0" b="0"/>
-        </a:fillRef>
-        <a:effectRef idx="2">
-          <a:scrgbClr r="0" g="0" b="0"/>
-        </a:effectRef>
-        <a:fontRef idx="minor">
-          <a:schemeClr val="lt1"/>
-        </a:fontRef>
-      </dsp:style>
-      <dsp:txBody>
-        <a:bodyPr spcFirstLastPara="0" vert="horz" wrap="square" lIns="149352" tIns="149352" rIns="149352" bIns="149352" numCol="1" spcCol="1270" anchor="ctr" anchorCtr="0">
-          <a:noAutofit/>
-        </a:bodyPr>
-        <a:lstStyle/>
-        <a:p>
-          <a:pPr lvl="0" algn="ctr" defTabSz="933450">
-            <a:lnSpc>
-              <a:spcPct val="90000"/>
-            </a:lnSpc>
-            <a:spcBef>
-              <a:spcPct val="0"/>
-            </a:spcBef>
-            <a:spcAft>
-              <a:spcPct val="35000"/>
-            </a:spcAft>
-          </a:pPr>
-          <a:r>
-            <a:rPr lang="en-US" sz="2100" kern="1200" smtClean="0"/>
-            <a:t>ASP.NET Controllers</a:t>
-          </a:r>
-          <a:endParaRPr lang="en-US" sz="2100" kern="1200" dirty="0"/>
-        </a:p>
-      </dsp:txBody>
-      <dsp:txXfrm rot="10800000">
-        <a:off x="0" y="1830866"/>
-        <a:ext cx="3228803" cy="600011"/>
-      </dsp:txXfrm>
-    </dsp:sp>
-    <dsp:sp modelId="{B3B99B97-36D2-4E8F-8415-74A937A8B03C}">
-      <dsp:nvSpPr>
-        <dsp:cNvPr id="0" name=""/>
-        <dsp:cNvSpPr/>
-      </dsp:nvSpPr>
-      <dsp:spPr>
-        <a:xfrm rot="10800000">
-          <a:off x="0" y="916452"/>
-          <a:ext cx="3228803" cy="923420"/>
-        </a:xfrm>
-        <a:prstGeom prst="upArrowCallout">
-          <a:avLst/>
-        </a:prstGeom>
-        <a:gradFill rotWithShape="0">
-          <a:gsLst>
-            <a:gs pos="0">
-              <a:schemeClr val="accent6">
-                <a:shade val="80000"/>
-                <a:hueOff val="-256684"/>
-                <a:satOff val="-4539"/>
-                <a:lumOff val="20711"/>
-                <a:alphaOff val="0"/>
-                <a:satMod val="103000"/>
-                <a:lumMod val="102000"/>
-                <a:tint val="94000"/>
-              </a:schemeClr>
-            </a:gs>
-            <a:gs pos="50000">
-              <a:schemeClr val="accent6">
-                <a:shade val="80000"/>
-                <a:hueOff val="-256684"/>
-                <a:satOff val="-4539"/>
-                <a:lumOff val="20711"/>
-                <a:alphaOff val="0"/>
-                <a:satMod val="110000"/>
-                <a:lumMod val="100000"/>
-                <a:shade val="100000"/>
-              </a:schemeClr>
-            </a:gs>
-            <a:gs pos="100000">
-              <a:schemeClr val="accent6">
-                <a:shade val="80000"/>
-                <a:hueOff val="-256684"/>
-                <a:satOff val="-4539"/>
-                <a:lumOff val="20711"/>
-                <a:alphaOff val="0"/>
-                <a:lumMod val="99000"/>
-                <a:satMod val="120000"/>
-                <a:shade val="78000"/>
-              </a:schemeClr>
-            </a:gs>
-          </a:gsLst>
-          <a:lin ang="5400000" scaled="0"/>
-        </a:gradFill>
-        <a:ln>
-          <a:noFill/>
-        </a:ln>
-        <a:effectLst/>
-        <a:scene3d>
-          <a:camera prst="orthographicFront"/>
-          <a:lightRig rig="flat" dir="t"/>
-        </a:scene3d>
-        <a:sp3d prstMaterial="plastic">
-          <a:bevelT w="120900" h="88900"/>
-          <a:bevelB w="88900" h="31750" prst="angle"/>
-        </a:sp3d>
-      </dsp:spPr>
-      <dsp:style>
-        <a:lnRef idx="0">
-          <a:scrgbClr r="0" g="0" b="0"/>
-        </a:lnRef>
-        <a:fillRef idx="3">
-          <a:scrgbClr r="0" g="0" b="0"/>
-        </a:fillRef>
-        <a:effectRef idx="2">
-          <a:scrgbClr r="0" g="0" b="0"/>
-        </a:effectRef>
-        <a:fontRef idx="minor">
-          <a:schemeClr val="lt1"/>
-        </a:fontRef>
-      </dsp:style>
-      <dsp:txBody>
-        <a:bodyPr spcFirstLastPara="0" vert="horz" wrap="square" lIns="149352" tIns="149352" rIns="149352" bIns="149352" numCol="1" spcCol="1270" anchor="ctr" anchorCtr="0">
-          <a:noAutofit/>
-        </a:bodyPr>
-        <a:lstStyle/>
-        <a:p>
-          <a:pPr lvl="0" algn="ctr" defTabSz="933450">
-            <a:lnSpc>
-              <a:spcPct val="90000"/>
-            </a:lnSpc>
-            <a:spcBef>
-              <a:spcPct val="0"/>
-            </a:spcBef>
-            <a:spcAft>
-              <a:spcPct val="35000"/>
-            </a:spcAft>
-          </a:pPr>
-          <a:r>
-            <a:rPr lang="en-US" sz="2100" kern="1200" dirty="0" err="1" smtClean="0"/>
-            <a:t>AngularJS</a:t>
-          </a:r>
-          <a:endParaRPr lang="en-US" sz="2100" kern="1200" dirty="0"/>
-        </a:p>
-      </dsp:txBody>
-      <dsp:txXfrm rot="10800000">
-        <a:off x="0" y="916452"/>
-        <a:ext cx="3228803" cy="600011"/>
-      </dsp:txXfrm>
-    </dsp:sp>
-    <dsp:sp modelId="{22E91097-1814-45A6-ACC7-B4EE3772F113}">
-      <dsp:nvSpPr>
-        <dsp:cNvPr id="0" name=""/>
-        <dsp:cNvSpPr/>
-      </dsp:nvSpPr>
-      <dsp:spPr>
-        <a:xfrm rot="10800000">
-          <a:off x="0" y="0"/>
-          <a:ext cx="3228803" cy="923420"/>
-        </a:xfrm>
-        <a:prstGeom prst="upArrowCallout">
-          <a:avLst/>
-        </a:prstGeom>
-        <a:gradFill rotWithShape="0">
-          <a:gsLst>
-            <a:gs pos="0">
-              <a:schemeClr val="accent6">
-                <a:shade val="80000"/>
-                <a:hueOff val="-342245"/>
-                <a:satOff val="-6052"/>
-                <a:lumOff val="27614"/>
-                <a:alphaOff val="0"/>
-                <a:satMod val="103000"/>
-                <a:lumMod val="102000"/>
-                <a:tint val="94000"/>
-              </a:schemeClr>
-            </a:gs>
-            <a:gs pos="50000">
-              <a:schemeClr val="accent6">
-                <a:shade val="80000"/>
-                <a:hueOff val="-342245"/>
-                <a:satOff val="-6052"/>
-                <a:lumOff val="27614"/>
-                <a:alphaOff val="0"/>
-                <a:satMod val="110000"/>
-                <a:lumMod val="100000"/>
-                <a:shade val="100000"/>
-              </a:schemeClr>
-            </a:gs>
-            <a:gs pos="100000">
-              <a:schemeClr val="accent6">
-                <a:shade val="80000"/>
-                <a:hueOff val="-342245"/>
-                <a:satOff val="-6052"/>
-                <a:lumOff val="27614"/>
-                <a:alphaOff val="0"/>
-                <a:lumMod val="99000"/>
-                <a:satMod val="120000"/>
-                <a:shade val="78000"/>
-              </a:schemeClr>
-            </a:gs>
-          </a:gsLst>
-          <a:lin ang="5400000" scaled="0"/>
-        </a:gradFill>
-        <a:ln>
-          <a:noFill/>
-        </a:ln>
-        <a:effectLst/>
-        <a:scene3d>
-          <a:camera prst="orthographicFront"/>
-          <a:lightRig rig="flat" dir="t"/>
-        </a:scene3d>
-        <a:sp3d prstMaterial="plastic">
-          <a:bevelT w="120900" h="88900"/>
-          <a:bevelB w="88900" h="31750" prst="angle"/>
-        </a:sp3d>
-      </dsp:spPr>
-      <dsp:style>
-        <a:lnRef idx="0">
-          <a:scrgbClr r="0" g="0" b="0"/>
-        </a:lnRef>
-        <a:fillRef idx="3">
-          <a:scrgbClr r="0" g="0" b="0"/>
-        </a:fillRef>
-        <a:effectRef idx="2">
-          <a:scrgbClr r="0" g="0" b="0"/>
-        </a:effectRef>
-        <a:fontRef idx="minor">
-          <a:schemeClr val="lt1"/>
-        </a:fontRef>
-      </dsp:style>
-      <dsp:txBody>
-        <a:bodyPr spcFirstLastPara="0" vert="horz" wrap="square" lIns="149352" tIns="149352" rIns="149352" bIns="149352" numCol="1" spcCol="1270" anchor="ctr" anchorCtr="0">
-          <a:noAutofit/>
-        </a:bodyPr>
-        <a:lstStyle/>
-        <a:p>
-          <a:pPr lvl="0" algn="ctr" defTabSz="933450">
-            <a:lnSpc>
-              <a:spcPct val="90000"/>
-            </a:lnSpc>
-            <a:spcBef>
-              <a:spcPct val="0"/>
-            </a:spcBef>
-            <a:spcAft>
-              <a:spcPct val="35000"/>
-            </a:spcAft>
-          </a:pPr>
-          <a:r>
-            <a:rPr lang="en-US" sz="2100" kern="1200" dirty="0" smtClean="0"/>
-            <a:t>Razor Views/Templates</a:t>
-          </a:r>
-          <a:endParaRPr lang="en-US" sz="2100" kern="1200" dirty="0"/>
-        </a:p>
-      </dsp:txBody>
-      <dsp:txXfrm rot="10800000">
-        <a:off x="0" y="0"/>
-        <a:ext cx="3228803" cy="600011"/>
-      </dsp:txXfrm>
-    </dsp:sp>
   </dsp:spTree>
 </dsp:drawing>
 </file>
@@ -8435,1216 +7214,6 @@
       <dsp:cNvGrpSpPr/>
     </dsp:nvGrpSpPr>
     <dsp:grpSpPr/>
-    <dsp:sp modelId="{D89CEA24-04F7-4F15-BDC1-AE1871BF26A8}">
-      <dsp:nvSpPr>
-        <dsp:cNvPr id="0" name=""/>
-        <dsp:cNvSpPr/>
-      </dsp:nvSpPr>
-      <dsp:spPr>
-        <a:xfrm>
-          <a:off x="8993" y="25134"/>
-          <a:ext cx="2688167" cy="1612900"/>
-        </a:xfrm>
-        <a:prstGeom prst="roundRect">
-          <a:avLst>
-            <a:gd name="adj" fmla="val 10000"/>
-          </a:avLst>
-        </a:prstGeom>
-        <a:gradFill rotWithShape="0">
-          <a:gsLst>
-            <a:gs pos="0">
-              <a:schemeClr val="accent4">
-                <a:hueOff val="0"/>
-                <a:satOff val="0"/>
-                <a:lumOff val="0"/>
-                <a:alphaOff val="0"/>
-                <a:satMod val="103000"/>
-                <a:lumMod val="102000"/>
-                <a:tint val="94000"/>
-              </a:schemeClr>
-            </a:gs>
-            <a:gs pos="50000">
-              <a:schemeClr val="accent4">
-                <a:hueOff val="0"/>
-                <a:satOff val="0"/>
-                <a:lumOff val="0"/>
-                <a:alphaOff val="0"/>
-                <a:satMod val="110000"/>
-                <a:lumMod val="100000"/>
-                <a:shade val="100000"/>
-              </a:schemeClr>
-            </a:gs>
-            <a:gs pos="100000">
-              <a:schemeClr val="accent4">
-                <a:hueOff val="0"/>
-                <a:satOff val="0"/>
-                <a:lumOff val="0"/>
-                <a:alphaOff val="0"/>
-                <a:lumMod val="99000"/>
-                <a:satMod val="120000"/>
-                <a:shade val="78000"/>
-              </a:schemeClr>
-            </a:gs>
-          </a:gsLst>
-          <a:lin ang="5400000" scaled="0"/>
-        </a:gradFill>
-        <a:ln>
-          <a:noFill/>
-        </a:ln>
-        <a:effectLst>
-          <a:outerShdw blurRad="57150" dist="19050" dir="5400000" algn="ctr" rotWithShape="0">
-            <a:srgbClr val="000000">
-              <a:alpha val="63000"/>
-            </a:srgbClr>
-          </a:outerShdw>
-        </a:effectLst>
-      </dsp:spPr>
-      <dsp:style>
-        <a:lnRef idx="0">
-          <a:scrgbClr r="0" g="0" b="0"/>
-        </a:lnRef>
-        <a:fillRef idx="3">
-          <a:scrgbClr r="0" g="0" b="0"/>
-        </a:fillRef>
-        <a:effectRef idx="3">
-          <a:scrgbClr r="0" g="0" b="0"/>
-        </a:effectRef>
-        <a:fontRef idx="minor">
-          <a:schemeClr val="lt1"/>
-        </a:fontRef>
-      </dsp:style>
-      <dsp:txBody>
-        <a:bodyPr spcFirstLastPara="0" vert="horz" wrap="square" lIns="87630" tIns="87630" rIns="87630" bIns="87630" numCol="1" spcCol="1270" anchor="ctr" anchorCtr="0">
-          <a:noAutofit/>
-        </a:bodyPr>
-        <a:lstStyle/>
-        <a:p>
-          <a:pPr lvl="0" algn="ctr" defTabSz="1022350">
-            <a:lnSpc>
-              <a:spcPct val="90000"/>
-            </a:lnSpc>
-            <a:spcBef>
-              <a:spcPct val="0"/>
-            </a:spcBef>
-            <a:spcAft>
-              <a:spcPct val="35000"/>
-            </a:spcAft>
-          </a:pPr>
-          <a:r>
-            <a:rPr lang="en-US" sz="2300" kern="1200" dirty="0" smtClean="0"/>
-            <a:t>Client Issues an HTTP GET (\Product)</a:t>
-          </a:r>
-          <a:endParaRPr lang="en-US" sz="2300" kern="1200" dirty="0"/>
-        </a:p>
-      </dsp:txBody>
-      <dsp:txXfrm>
-        <a:off x="56233" y="72374"/>
-        <a:ext cx="2593687" cy="1518420"/>
-      </dsp:txXfrm>
-    </dsp:sp>
-    <dsp:sp modelId="{1B59E2AF-0D52-483A-B065-A9DDB27C6D5D}">
-      <dsp:nvSpPr>
-        <dsp:cNvPr id="0" name=""/>
-        <dsp:cNvSpPr/>
-      </dsp:nvSpPr>
-      <dsp:spPr>
-        <a:xfrm rot="929423">
-          <a:off x="2931634" y="1020827"/>
-          <a:ext cx="614037" cy="666665"/>
-        </a:xfrm>
-        <a:prstGeom prst="rightArrow">
-          <a:avLst>
-            <a:gd name="adj1" fmla="val 60000"/>
-            <a:gd name="adj2" fmla="val 50000"/>
-          </a:avLst>
-        </a:prstGeom>
-        <a:gradFill rotWithShape="0">
-          <a:gsLst>
-            <a:gs pos="0">
-              <a:schemeClr val="accent4">
-                <a:tint val="60000"/>
-                <a:hueOff val="0"/>
-                <a:satOff val="0"/>
-                <a:lumOff val="0"/>
-                <a:alphaOff val="0"/>
-                <a:satMod val="103000"/>
-                <a:lumMod val="102000"/>
-                <a:tint val="94000"/>
-              </a:schemeClr>
-            </a:gs>
-            <a:gs pos="50000">
-              <a:schemeClr val="accent4">
-                <a:tint val="60000"/>
-                <a:hueOff val="0"/>
-                <a:satOff val="0"/>
-                <a:lumOff val="0"/>
-                <a:alphaOff val="0"/>
-                <a:satMod val="110000"/>
-                <a:lumMod val="100000"/>
-                <a:shade val="100000"/>
-              </a:schemeClr>
-            </a:gs>
-            <a:gs pos="100000">
-              <a:schemeClr val="accent4">
-                <a:tint val="60000"/>
-                <a:hueOff val="0"/>
-                <a:satOff val="0"/>
-                <a:lumOff val="0"/>
-                <a:alphaOff val="0"/>
-                <a:lumMod val="99000"/>
-                <a:satMod val="120000"/>
-                <a:shade val="78000"/>
-              </a:schemeClr>
-            </a:gs>
-          </a:gsLst>
-          <a:lin ang="5400000" scaled="0"/>
-        </a:gradFill>
-        <a:ln>
-          <a:noFill/>
-        </a:ln>
-        <a:effectLst>
-          <a:outerShdw blurRad="57150" dist="19050" dir="5400000" algn="ctr" rotWithShape="0">
-            <a:srgbClr val="000000">
-              <a:alpha val="63000"/>
-            </a:srgbClr>
-          </a:outerShdw>
-        </a:effectLst>
-      </dsp:spPr>
-      <dsp:style>
-        <a:lnRef idx="0">
-          <a:scrgbClr r="0" g="0" b="0"/>
-        </a:lnRef>
-        <a:fillRef idx="3">
-          <a:scrgbClr r="0" g="0" b="0"/>
-        </a:fillRef>
-        <a:effectRef idx="3">
-          <a:scrgbClr r="0" g="0" b="0"/>
-        </a:effectRef>
-        <a:fontRef idx="minor">
-          <a:schemeClr val="lt1"/>
-        </a:fontRef>
-      </dsp:style>
-      <dsp:txBody>
-        <a:bodyPr spcFirstLastPara="0" vert="horz" wrap="square" lIns="0" tIns="0" rIns="0" bIns="0" numCol="1" spcCol="1270" anchor="ctr" anchorCtr="0">
-          <a:noAutofit/>
-        </a:bodyPr>
-        <a:lstStyle/>
-        <a:p>
-          <a:pPr lvl="0" algn="ctr" defTabSz="800100">
-            <a:lnSpc>
-              <a:spcPct val="90000"/>
-            </a:lnSpc>
-            <a:spcBef>
-              <a:spcPct val="0"/>
-            </a:spcBef>
-            <a:spcAft>
-              <a:spcPct val="35000"/>
-            </a:spcAft>
-          </a:pPr>
-          <a:endParaRPr lang="en-US" sz="1800" kern="1200"/>
-        </a:p>
-      </dsp:txBody>
-      <dsp:txXfrm>
-        <a:off x="2934980" y="1129561"/>
-        <a:ext cx="429826" cy="399999"/>
-      </dsp:txXfrm>
-    </dsp:sp>
-    <dsp:sp modelId="{54578D54-65BE-40E0-ABD4-92036C6986D8}">
-      <dsp:nvSpPr>
-        <dsp:cNvPr id="0" name=""/>
-        <dsp:cNvSpPr/>
-      </dsp:nvSpPr>
-      <dsp:spPr>
-        <a:xfrm>
-          <a:off x="3813638" y="1079568"/>
-          <a:ext cx="2688167" cy="1612900"/>
-        </a:xfrm>
-        <a:prstGeom prst="roundRect">
-          <a:avLst>
-            <a:gd name="adj" fmla="val 10000"/>
-          </a:avLst>
-        </a:prstGeom>
-        <a:gradFill rotWithShape="0">
-          <a:gsLst>
-            <a:gs pos="0">
-              <a:schemeClr val="accent4">
-                <a:hueOff val="0"/>
-                <a:satOff val="0"/>
-                <a:lumOff val="0"/>
-                <a:alphaOff val="0"/>
-                <a:satMod val="103000"/>
-                <a:lumMod val="102000"/>
-                <a:tint val="94000"/>
-              </a:schemeClr>
-            </a:gs>
-            <a:gs pos="50000">
-              <a:schemeClr val="accent4">
-                <a:hueOff val="0"/>
-                <a:satOff val="0"/>
-                <a:lumOff val="0"/>
-                <a:alphaOff val="0"/>
-                <a:satMod val="110000"/>
-                <a:lumMod val="100000"/>
-                <a:shade val="100000"/>
-              </a:schemeClr>
-            </a:gs>
-            <a:gs pos="100000">
-              <a:schemeClr val="accent4">
-                <a:hueOff val="0"/>
-                <a:satOff val="0"/>
-                <a:lumOff val="0"/>
-                <a:alphaOff val="0"/>
-                <a:lumMod val="99000"/>
-                <a:satMod val="120000"/>
-                <a:shade val="78000"/>
-              </a:schemeClr>
-            </a:gs>
-          </a:gsLst>
-          <a:lin ang="5400000" scaled="0"/>
-        </a:gradFill>
-        <a:ln>
-          <a:noFill/>
-        </a:ln>
-        <a:effectLst>
-          <a:outerShdw blurRad="57150" dist="19050" dir="5400000" algn="ctr" rotWithShape="0">
-            <a:srgbClr val="000000">
-              <a:alpha val="63000"/>
-            </a:srgbClr>
-          </a:outerShdw>
-        </a:effectLst>
-      </dsp:spPr>
-      <dsp:style>
-        <a:lnRef idx="0">
-          <a:scrgbClr r="0" g="0" b="0"/>
-        </a:lnRef>
-        <a:fillRef idx="3">
-          <a:scrgbClr r="0" g="0" b="0"/>
-        </a:fillRef>
-        <a:effectRef idx="3">
-          <a:scrgbClr r="0" g="0" b="0"/>
-        </a:effectRef>
-        <a:fontRef idx="minor">
-          <a:schemeClr val="lt1"/>
-        </a:fontRef>
-      </dsp:style>
-      <dsp:txBody>
-        <a:bodyPr spcFirstLastPara="0" vert="horz" wrap="square" lIns="87630" tIns="87630" rIns="87630" bIns="87630" numCol="1" spcCol="1270" anchor="ctr" anchorCtr="0">
-          <a:noAutofit/>
-        </a:bodyPr>
-        <a:lstStyle/>
-        <a:p>
-          <a:pPr lvl="0" algn="ctr" defTabSz="1022350">
-            <a:lnSpc>
-              <a:spcPct val="90000"/>
-            </a:lnSpc>
-            <a:spcBef>
-              <a:spcPct val="0"/>
-            </a:spcBef>
-            <a:spcAft>
-              <a:spcPct val="35000"/>
-            </a:spcAft>
-          </a:pPr>
-          <a:r>
-            <a:rPr lang="en-US" sz="2300" kern="1200" dirty="0" smtClean="0"/>
-            <a:t>MVC Controller</a:t>
-          </a:r>
-        </a:p>
-        <a:p>
-          <a:pPr lvl="0" algn="ctr" defTabSz="1022350">
-            <a:lnSpc>
-              <a:spcPct val="90000"/>
-            </a:lnSpc>
-            <a:spcBef>
-              <a:spcPct val="0"/>
-            </a:spcBef>
-            <a:spcAft>
-              <a:spcPct val="35000"/>
-            </a:spcAft>
-          </a:pPr>
-          <a:r>
-            <a:rPr lang="en-US" sz="2300" kern="1200" dirty="0" smtClean="0"/>
-            <a:t>Receives Request</a:t>
-          </a:r>
-          <a:endParaRPr lang="en-US" sz="2300" kern="1200" dirty="0"/>
-        </a:p>
-      </dsp:txBody>
-      <dsp:txXfrm>
-        <a:off x="3860878" y="1126808"/>
-        <a:ext cx="2593687" cy="1518420"/>
-      </dsp:txXfrm>
-    </dsp:sp>
-    <dsp:sp modelId="{AA7DA251-7101-4C1D-859D-0B6058890E94}">
-      <dsp:nvSpPr>
-        <dsp:cNvPr id="0" name=""/>
-        <dsp:cNvSpPr/>
-      </dsp:nvSpPr>
-      <dsp:spPr>
-        <a:xfrm rot="20651017">
-          <a:off x="6718515" y="1029863"/>
-          <a:ext cx="569616" cy="666665"/>
-        </a:xfrm>
-        <a:prstGeom prst="rightArrow">
-          <a:avLst>
-            <a:gd name="adj1" fmla="val 60000"/>
-            <a:gd name="adj2" fmla="val 50000"/>
-          </a:avLst>
-        </a:prstGeom>
-        <a:gradFill rotWithShape="0">
-          <a:gsLst>
-            <a:gs pos="0">
-              <a:schemeClr val="accent4">
-                <a:tint val="60000"/>
-                <a:hueOff val="0"/>
-                <a:satOff val="0"/>
-                <a:lumOff val="0"/>
-                <a:alphaOff val="0"/>
-                <a:satMod val="103000"/>
-                <a:lumMod val="102000"/>
-                <a:tint val="94000"/>
-              </a:schemeClr>
-            </a:gs>
-            <a:gs pos="50000">
-              <a:schemeClr val="accent4">
-                <a:tint val="60000"/>
-                <a:hueOff val="0"/>
-                <a:satOff val="0"/>
-                <a:lumOff val="0"/>
-                <a:alphaOff val="0"/>
-                <a:satMod val="110000"/>
-                <a:lumMod val="100000"/>
-                <a:shade val="100000"/>
-              </a:schemeClr>
-            </a:gs>
-            <a:gs pos="100000">
-              <a:schemeClr val="accent4">
-                <a:tint val="60000"/>
-                <a:hueOff val="0"/>
-                <a:satOff val="0"/>
-                <a:lumOff val="0"/>
-                <a:alphaOff val="0"/>
-                <a:lumMod val="99000"/>
-                <a:satMod val="120000"/>
-                <a:shade val="78000"/>
-              </a:schemeClr>
-            </a:gs>
-          </a:gsLst>
-          <a:lin ang="5400000" scaled="0"/>
-        </a:gradFill>
-        <a:ln>
-          <a:noFill/>
-        </a:ln>
-        <a:effectLst>
-          <a:outerShdw blurRad="57150" dist="19050" dir="5400000" algn="ctr" rotWithShape="0">
-            <a:srgbClr val="000000">
-              <a:alpha val="63000"/>
-            </a:srgbClr>
-          </a:outerShdw>
-        </a:effectLst>
-      </dsp:spPr>
-      <dsp:style>
-        <a:lnRef idx="0">
-          <a:scrgbClr r="0" g="0" b="0"/>
-        </a:lnRef>
-        <a:fillRef idx="3">
-          <a:scrgbClr r="0" g="0" b="0"/>
-        </a:fillRef>
-        <a:effectRef idx="3">
-          <a:scrgbClr r="0" g="0" b="0"/>
-        </a:effectRef>
-        <a:fontRef idx="minor">
-          <a:schemeClr val="lt1"/>
-        </a:fontRef>
-      </dsp:style>
-      <dsp:txBody>
-        <a:bodyPr spcFirstLastPara="0" vert="horz" wrap="square" lIns="0" tIns="0" rIns="0" bIns="0" numCol="1" spcCol="1270" anchor="ctr" anchorCtr="0">
-          <a:noAutofit/>
-        </a:bodyPr>
-        <a:lstStyle/>
-        <a:p>
-          <a:pPr lvl="0" algn="ctr" defTabSz="800100">
-            <a:lnSpc>
-              <a:spcPct val="90000"/>
-            </a:lnSpc>
-            <a:spcBef>
-              <a:spcPct val="0"/>
-            </a:spcBef>
-            <a:spcAft>
-              <a:spcPct val="35000"/>
-            </a:spcAft>
-          </a:pPr>
-          <a:endParaRPr lang="en-US" sz="1800" kern="1200"/>
-        </a:p>
-      </dsp:txBody>
-      <dsp:txXfrm>
-        <a:off x="6721750" y="1186484"/>
-        <a:ext cx="398731" cy="399999"/>
-      </dsp:txXfrm>
-    </dsp:sp>
-    <dsp:sp modelId="{8677EFEB-7E05-4D37-8064-66404757BDC6}">
-      <dsp:nvSpPr>
-        <dsp:cNvPr id="0" name=""/>
-        <dsp:cNvSpPr/>
-      </dsp:nvSpPr>
-      <dsp:spPr>
-        <a:xfrm>
-          <a:off x="7535863" y="25134"/>
-          <a:ext cx="2688167" cy="1612900"/>
-        </a:xfrm>
-        <a:prstGeom prst="roundRect">
-          <a:avLst>
-            <a:gd name="adj" fmla="val 10000"/>
-          </a:avLst>
-        </a:prstGeom>
-        <a:gradFill rotWithShape="0">
-          <a:gsLst>
-            <a:gs pos="0">
-              <a:schemeClr val="accent4">
-                <a:hueOff val="0"/>
-                <a:satOff val="0"/>
-                <a:lumOff val="0"/>
-                <a:alphaOff val="0"/>
-                <a:satMod val="103000"/>
-                <a:lumMod val="102000"/>
-                <a:tint val="94000"/>
-              </a:schemeClr>
-            </a:gs>
-            <a:gs pos="50000">
-              <a:schemeClr val="accent4">
-                <a:hueOff val="0"/>
-                <a:satOff val="0"/>
-                <a:lumOff val="0"/>
-                <a:alphaOff val="0"/>
-                <a:satMod val="110000"/>
-                <a:lumMod val="100000"/>
-                <a:shade val="100000"/>
-              </a:schemeClr>
-            </a:gs>
-            <a:gs pos="100000">
-              <a:schemeClr val="accent4">
-                <a:hueOff val="0"/>
-                <a:satOff val="0"/>
-                <a:lumOff val="0"/>
-                <a:alphaOff val="0"/>
-                <a:lumMod val="99000"/>
-                <a:satMod val="120000"/>
-                <a:shade val="78000"/>
-              </a:schemeClr>
-            </a:gs>
-          </a:gsLst>
-          <a:lin ang="5400000" scaled="0"/>
-        </a:gradFill>
-        <a:ln>
-          <a:noFill/>
-        </a:ln>
-        <a:effectLst>
-          <a:outerShdw blurRad="57150" dist="19050" dir="5400000" algn="ctr" rotWithShape="0">
-            <a:srgbClr val="000000">
-              <a:alpha val="63000"/>
-            </a:srgbClr>
-          </a:outerShdw>
-        </a:effectLst>
-      </dsp:spPr>
-      <dsp:style>
-        <a:lnRef idx="0">
-          <a:scrgbClr r="0" g="0" b="0"/>
-        </a:lnRef>
-        <a:fillRef idx="3">
-          <a:scrgbClr r="0" g="0" b="0"/>
-        </a:fillRef>
-        <a:effectRef idx="3">
-          <a:scrgbClr r="0" g="0" b="0"/>
-        </a:effectRef>
-        <a:fontRef idx="minor">
-          <a:schemeClr val="lt1"/>
-        </a:fontRef>
-      </dsp:style>
-      <dsp:txBody>
-        <a:bodyPr spcFirstLastPara="0" vert="horz" wrap="square" lIns="87630" tIns="87630" rIns="87630" bIns="87630" numCol="1" spcCol="1270" anchor="ctr" anchorCtr="0">
-          <a:noAutofit/>
-        </a:bodyPr>
-        <a:lstStyle/>
-        <a:p>
-          <a:pPr lvl="0" algn="ctr" defTabSz="1022350">
-            <a:lnSpc>
-              <a:spcPct val="90000"/>
-            </a:lnSpc>
-            <a:spcBef>
-              <a:spcPct val="0"/>
-            </a:spcBef>
-            <a:spcAft>
-              <a:spcPct val="35000"/>
-            </a:spcAft>
-          </a:pPr>
-          <a:r>
-            <a:rPr lang="en-US" sz="2300" kern="1200" dirty="0" smtClean="0"/>
-            <a:t>Data Retrieval (SLOW, error prone)</a:t>
-          </a:r>
-        </a:p>
-      </dsp:txBody>
-      <dsp:txXfrm>
-        <a:off x="7583103" y="72374"/>
-        <a:ext cx="2593687" cy="1518420"/>
-      </dsp:txXfrm>
-    </dsp:sp>
-    <dsp:sp modelId="{B92470B4-E14C-44D6-B9E7-A892843895BA}">
-      <dsp:nvSpPr>
-        <dsp:cNvPr id="0" name=""/>
-        <dsp:cNvSpPr/>
-      </dsp:nvSpPr>
-      <dsp:spPr>
-        <a:xfrm rot="5400000">
-          <a:off x="8595001" y="1826207"/>
-          <a:ext cx="569891" cy="666665"/>
-        </a:xfrm>
-        <a:prstGeom prst="rightArrow">
-          <a:avLst>
-            <a:gd name="adj1" fmla="val 60000"/>
-            <a:gd name="adj2" fmla="val 50000"/>
-          </a:avLst>
-        </a:prstGeom>
-        <a:gradFill rotWithShape="0">
-          <a:gsLst>
-            <a:gs pos="0">
-              <a:schemeClr val="accent4">
-                <a:tint val="60000"/>
-                <a:hueOff val="0"/>
-                <a:satOff val="0"/>
-                <a:lumOff val="0"/>
-                <a:alphaOff val="0"/>
-                <a:satMod val="103000"/>
-                <a:lumMod val="102000"/>
-                <a:tint val="94000"/>
-              </a:schemeClr>
-            </a:gs>
-            <a:gs pos="50000">
-              <a:schemeClr val="accent4">
-                <a:tint val="60000"/>
-                <a:hueOff val="0"/>
-                <a:satOff val="0"/>
-                <a:lumOff val="0"/>
-                <a:alphaOff val="0"/>
-                <a:satMod val="110000"/>
-                <a:lumMod val="100000"/>
-                <a:shade val="100000"/>
-              </a:schemeClr>
-            </a:gs>
-            <a:gs pos="100000">
-              <a:schemeClr val="accent4">
-                <a:tint val="60000"/>
-                <a:hueOff val="0"/>
-                <a:satOff val="0"/>
-                <a:lumOff val="0"/>
-                <a:alphaOff val="0"/>
-                <a:lumMod val="99000"/>
-                <a:satMod val="120000"/>
-                <a:shade val="78000"/>
-              </a:schemeClr>
-            </a:gs>
-          </a:gsLst>
-          <a:lin ang="5400000" scaled="0"/>
-        </a:gradFill>
-        <a:ln>
-          <a:noFill/>
-        </a:ln>
-        <a:effectLst>
-          <a:outerShdw blurRad="57150" dist="19050" dir="5400000" algn="ctr" rotWithShape="0">
-            <a:srgbClr val="000000">
-              <a:alpha val="63000"/>
-            </a:srgbClr>
-          </a:outerShdw>
-        </a:effectLst>
-      </dsp:spPr>
-      <dsp:style>
-        <a:lnRef idx="0">
-          <a:scrgbClr r="0" g="0" b="0"/>
-        </a:lnRef>
-        <a:fillRef idx="3">
-          <a:scrgbClr r="0" g="0" b="0"/>
-        </a:fillRef>
-        <a:effectRef idx="3">
-          <a:scrgbClr r="0" g="0" b="0"/>
-        </a:effectRef>
-        <a:fontRef idx="minor">
-          <a:schemeClr val="lt1"/>
-        </a:fontRef>
-      </dsp:style>
-      <dsp:txBody>
-        <a:bodyPr spcFirstLastPara="0" vert="horz" wrap="square" lIns="0" tIns="0" rIns="0" bIns="0" numCol="1" spcCol="1270" anchor="ctr" anchorCtr="0">
-          <a:noAutofit/>
-        </a:bodyPr>
-        <a:lstStyle/>
-        <a:p>
-          <a:pPr lvl="0" algn="ctr" defTabSz="800100">
-            <a:lnSpc>
-              <a:spcPct val="90000"/>
-            </a:lnSpc>
-            <a:spcBef>
-              <a:spcPct val="0"/>
-            </a:spcBef>
-            <a:spcAft>
-              <a:spcPct val="35000"/>
-            </a:spcAft>
-          </a:pPr>
-          <a:endParaRPr lang="en-US" sz="1800" kern="1200"/>
-        </a:p>
-      </dsp:txBody>
-      <dsp:txXfrm rot="-5400000">
-        <a:off x="8679948" y="1874594"/>
-        <a:ext cx="399999" cy="398924"/>
-      </dsp:txXfrm>
-    </dsp:sp>
-    <dsp:sp modelId="{BDB1C448-D53D-4EB4-973D-F0D2E771D43A}">
-      <dsp:nvSpPr>
-        <dsp:cNvPr id="0" name=""/>
-        <dsp:cNvSpPr/>
-      </dsp:nvSpPr>
-      <dsp:spPr>
-        <a:xfrm>
-          <a:off x="7535863" y="2713302"/>
-          <a:ext cx="2688167" cy="1612900"/>
-        </a:xfrm>
-        <a:prstGeom prst="roundRect">
-          <a:avLst>
-            <a:gd name="adj" fmla="val 10000"/>
-          </a:avLst>
-        </a:prstGeom>
-        <a:gradFill rotWithShape="0">
-          <a:gsLst>
-            <a:gs pos="0">
-              <a:schemeClr val="accent4">
-                <a:hueOff val="0"/>
-                <a:satOff val="0"/>
-                <a:lumOff val="0"/>
-                <a:alphaOff val="0"/>
-                <a:satMod val="103000"/>
-                <a:lumMod val="102000"/>
-                <a:tint val="94000"/>
-              </a:schemeClr>
-            </a:gs>
-            <a:gs pos="50000">
-              <a:schemeClr val="accent4">
-                <a:hueOff val="0"/>
-                <a:satOff val="0"/>
-                <a:lumOff val="0"/>
-                <a:alphaOff val="0"/>
-                <a:satMod val="110000"/>
-                <a:lumMod val="100000"/>
-                <a:shade val="100000"/>
-              </a:schemeClr>
-            </a:gs>
-            <a:gs pos="100000">
-              <a:schemeClr val="accent4">
-                <a:hueOff val="0"/>
-                <a:satOff val="0"/>
-                <a:lumOff val="0"/>
-                <a:alphaOff val="0"/>
-                <a:lumMod val="99000"/>
-                <a:satMod val="120000"/>
-                <a:shade val="78000"/>
-              </a:schemeClr>
-            </a:gs>
-          </a:gsLst>
-          <a:lin ang="5400000" scaled="0"/>
-        </a:gradFill>
-        <a:ln>
-          <a:noFill/>
-        </a:ln>
-        <a:effectLst>
-          <a:outerShdw blurRad="57150" dist="19050" dir="5400000" algn="ctr" rotWithShape="0">
-            <a:srgbClr val="000000">
-              <a:alpha val="63000"/>
-            </a:srgbClr>
-          </a:outerShdw>
-        </a:effectLst>
-      </dsp:spPr>
-      <dsp:style>
-        <a:lnRef idx="0">
-          <a:scrgbClr r="0" g="0" b="0"/>
-        </a:lnRef>
-        <a:fillRef idx="3">
-          <a:scrgbClr r="0" g="0" b="0"/>
-        </a:fillRef>
-        <a:effectRef idx="3">
-          <a:scrgbClr r="0" g="0" b="0"/>
-        </a:effectRef>
-        <a:fontRef idx="minor">
-          <a:schemeClr val="lt1"/>
-        </a:fontRef>
-      </dsp:style>
-      <dsp:txBody>
-        <a:bodyPr spcFirstLastPara="0" vert="horz" wrap="square" lIns="87630" tIns="87630" rIns="87630" bIns="87630" numCol="1" spcCol="1270" anchor="ctr" anchorCtr="0">
-          <a:noAutofit/>
-        </a:bodyPr>
-        <a:lstStyle/>
-        <a:p>
-          <a:pPr lvl="0" algn="ctr" defTabSz="1022350">
-            <a:lnSpc>
-              <a:spcPct val="90000"/>
-            </a:lnSpc>
-            <a:spcBef>
-              <a:spcPct val="0"/>
-            </a:spcBef>
-            <a:spcAft>
-              <a:spcPct val="35000"/>
-            </a:spcAft>
-          </a:pPr>
-          <a:r>
-            <a:rPr lang="en-US" sz="2300" kern="1200" dirty="0" smtClean="0"/>
-            <a:t>Combined with Razor View</a:t>
-          </a:r>
-          <a:endParaRPr lang="en-US" sz="2300" kern="1200" dirty="0"/>
-        </a:p>
-      </dsp:txBody>
-      <dsp:txXfrm>
-        <a:off x="7583103" y="2760542"/>
-        <a:ext cx="2593687" cy="1518420"/>
-      </dsp:txXfrm>
-    </dsp:sp>
-    <dsp:sp modelId="{1762D68D-DE4D-4949-8D49-ED698748F259}">
-      <dsp:nvSpPr>
-        <dsp:cNvPr id="0" name=""/>
-        <dsp:cNvSpPr/>
-      </dsp:nvSpPr>
-      <dsp:spPr>
-        <a:xfrm rot="12200593">
-          <a:off x="6735870" y="2389921"/>
-          <a:ext cx="596924" cy="666665"/>
-        </a:xfrm>
-        <a:prstGeom prst="rightArrow">
-          <a:avLst>
-            <a:gd name="adj1" fmla="val 60000"/>
-            <a:gd name="adj2" fmla="val 50000"/>
-          </a:avLst>
-        </a:prstGeom>
-        <a:gradFill rotWithShape="0">
-          <a:gsLst>
-            <a:gs pos="0">
-              <a:schemeClr val="accent4">
-                <a:tint val="60000"/>
-                <a:hueOff val="0"/>
-                <a:satOff val="0"/>
-                <a:lumOff val="0"/>
-                <a:alphaOff val="0"/>
-                <a:satMod val="103000"/>
-                <a:lumMod val="102000"/>
-                <a:tint val="94000"/>
-              </a:schemeClr>
-            </a:gs>
-            <a:gs pos="50000">
-              <a:schemeClr val="accent4">
-                <a:tint val="60000"/>
-                <a:hueOff val="0"/>
-                <a:satOff val="0"/>
-                <a:lumOff val="0"/>
-                <a:alphaOff val="0"/>
-                <a:satMod val="110000"/>
-                <a:lumMod val="100000"/>
-                <a:shade val="100000"/>
-              </a:schemeClr>
-            </a:gs>
-            <a:gs pos="100000">
-              <a:schemeClr val="accent4">
-                <a:tint val="60000"/>
-                <a:hueOff val="0"/>
-                <a:satOff val="0"/>
-                <a:lumOff val="0"/>
-                <a:alphaOff val="0"/>
-                <a:lumMod val="99000"/>
-                <a:satMod val="120000"/>
-                <a:shade val="78000"/>
-              </a:schemeClr>
-            </a:gs>
-          </a:gsLst>
-          <a:lin ang="5400000" scaled="0"/>
-        </a:gradFill>
-        <a:ln>
-          <a:noFill/>
-        </a:ln>
-        <a:effectLst>
-          <a:outerShdw blurRad="57150" dist="19050" dir="5400000" algn="ctr" rotWithShape="0">
-            <a:srgbClr val="000000">
-              <a:alpha val="63000"/>
-            </a:srgbClr>
-          </a:outerShdw>
-        </a:effectLst>
-      </dsp:spPr>
-      <dsp:style>
-        <a:lnRef idx="0">
-          <a:scrgbClr r="0" g="0" b="0"/>
-        </a:lnRef>
-        <a:fillRef idx="3">
-          <a:scrgbClr r="0" g="0" b="0"/>
-        </a:fillRef>
-        <a:effectRef idx="3">
-          <a:scrgbClr r="0" g="0" b="0"/>
-        </a:effectRef>
-        <a:fontRef idx="minor">
-          <a:schemeClr val="lt1"/>
-        </a:fontRef>
-      </dsp:style>
-      <dsp:txBody>
-        <a:bodyPr spcFirstLastPara="0" vert="horz" wrap="square" lIns="0" tIns="0" rIns="0" bIns="0" numCol="1" spcCol="1270" anchor="ctr" anchorCtr="0">
-          <a:noAutofit/>
-        </a:bodyPr>
-        <a:lstStyle/>
-        <a:p>
-          <a:pPr lvl="0" algn="ctr" defTabSz="800100">
-            <a:lnSpc>
-              <a:spcPct val="90000"/>
-            </a:lnSpc>
-            <a:spcBef>
-              <a:spcPct val="0"/>
-            </a:spcBef>
-            <a:spcAft>
-              <a:spcPct val="35000"/>
-            </a:spcAft>
-          </a:pPr>
-          <a:endParaRPr lang="en-US" sz="1800" kern="1200"/>
-        </a:p>
-      </dsp:txBody>
-      <dsp:txXfrm rot="10800000">
-        <a:off x="6907618" y="2558733"/>
-        <a:ext cx="417847" cy="399999"/>
-      </dsp:txXfrm>
-    </dsp:sp>
-    <dsp:sp modelId="{544194A6-5B9D-4D2D-8D30-20A2AD02A23D}">
-      <dsp:nvSpPr>
-        <dsp:cNvPr id="0" name=""/>
-        <dsp:cNvSpPr/>
-      </dsp:nvSpPr>
-      <dsp:spPr>
-        <a:xfrm>
-          <a:off x="3813611" y="1106918"/>
-          <a:ext cx="2688167" cy="1612900"/>
-        </a:xfrm>
-        <a:prstGeom prst="roundRect">
-          <a:avLst>
-            <a:gd name="adj" fmla="val 10000"/>
-          </a:avLst>
-        </a:prstGeom>
-        <a:gradFill rotWithShape="0">
-          <a:gsLst>
-            <a:gs pos="0">
-              <a:schemeClr val="accent4">
-                <a:hueOff val="0"/>
-                <a:satOff val="0"/>
-                <a:lumOff val="0"/>
-                <a:alphaOff val="0"/>
-                <a:satMod val="103000"/>
-                <a:lumMod val="102000"/>
-                <a:tint val="94000"/>
-              </a:schemeClr>
-            </a:gs>
-            <a:gs pos="50000">
-              <a:schemeClr val="accent4">
-                <a:hueOff val="0"/>
-                <a:satOff val="0"/>
-                <a:lumOff val="0"/>
-                <a:alphaOff val="0"/>
-                <a:satMod val="110000"/>
-                <a:lumMod val="100000"/>
-                <a:shade val="100000"/>
-              </a:schemeClr>
-            </a:gs>
-            <a:gs pos="100000">
-              <a:schemeClr val="accent4">
-                <a:hueOff val="0"/>
-                <a:satOff val="0"/>
-                <a:lumOff val="0"/>
-                <a:alphaOff val="0"/>
-                <a:lumMod val="99000"/>
-                <a:satMod val="120000"/>
-                <a:shade val="78000"/>
-              </a:schemeClr>
-            </a:gs>
-          </a:gsLst>
-          <a:lin ang="5400000" scaled="0"/>
-        </a:gradFill>
-        <a:ln>
-          <a:noFill/>
-        </a:ln>
-        <a:effectLst>
-          <a:outerShdw blurRad="57150" dist="19050" dir="5400000" algn="ctr" rotWithShape="0">
-            <a:srgbClr val="000000">
-              <a:alpha val="63000"/>
-            </a:srgbClr>
-          </a:outerShdw>
-        </a:effectLst>
-      </dsp:spPr>
-      <dsp:style>
-        <a:lnRef idx="0">
-          <a:scrgbClr r="0" g="0" b="0"/>
-        </a:lnRef>
-        <a:fillRef idx="3">
-          <a:scrgbClr r="0" g="0" b="0"/>
-        </a:fillRef>
-        <a:effectRef idx="3">
-          <a:scrgbClr r="0" g="0" b="0"/>
-        </a:effectRef>
-        <a:fontRef idx="minor">
-          <a:schemeClr val="lt1"/>
-        </a:fontRef>
-      </dsp:style>
-      <dsp:txBody>
-        <a:bodyPr spcFirstLastPara="0" vert="horz" wrap="square" lIns="87630" tIns="87630" rIns="87630" bIns="87630" numCol="1" spcCol="1270" anchor="ctr" anchorCtr="0">
-          <a:noAutofit/>
-        </a:bodyPr>
-        <a:lstStyle/>
-        <a:p>
-          <a:pPr lvl="0" algn="ctr" defTabSz="1022350">
-            <a:lnSpc>
-              <a:spcPct val="90000"/>
-            </a:lnSpc>
-            <a:spcBef>
-              <a:spcPct val="0"/>
-            </a:spcBef>
-            <a:spcAft>
-              <a:spcPct val="35000"/>
-            </a:spcAft>
-          </a:pPr>
-          <a:r>
-            <a:rPr lang="en-US" sz="2300" kern="1200" dirty="0" smtClean="0"/>
-            <a:t>MVC Controller</a:t>
-          </a:r>
-        </a:p>
-        <a:p>
-          <a:pPr lvl="0" algn="ctr" defTabSz="1022350">
-            <a:lnSpc>
-              <a:spcPct val="90000"/>
-            </a:lnSpc>
-            <a:spcBef>
-              <a:spcPct val="0"/>
-            </a:spcBef>
-            <a:spcAft>
-              <a:spcPct val="35000"/>
-            </a:spcAft>
-          </a:pPr>
-          <a:r>
-            <a:rPr lang="en-US" sz="2300" kern="1200" dirty="0" smtClean="0"/>
-            <a:t>Receives HTTP GET, Returns HMTL</a:t>
-          </a:r>
-          <a:endParaRPr lang="en-US" sz="2300" kern="1200" dirty="0"/>
-        </a:p>
-      </dsp:txBody>
-      <dsp:txXfrm>
-        <a:off x="3860851" y="1154158"/>
-        <a:ext cx="2593687" cy="1518420"/>
-      </dsp:txXfrm>
-    </dsp:sp>
-    <dsp:sp modelId="{DF64C6CE-26B2-4F45-9725-C55694AE2AD7}">
-      <dsp:nvSpPr>
-        <dsp:cNvPr id="0" name=""/>
-        <dsp:cNvSpPr/>
-      </dsp:nvSpPr>
-      <dsp:spPr>
-        <a:xfrm rot="9426574">
-          <a:off x="2950983" y="2376156"/>
-          <a:ext cx="642299" cy="666665"/>
-        </a:xfrm>
-        <a:prstGeom prst="rightArrow">
-          <a:avLst>
-            <a:gd name="adj1" fmla="val 60000"/>
-            <a:gd name="adj2" fmla="val 50000"/>
-          </a:avLst>
-        </a:prstGeom>
-        <a:gradFill rotWithShape="0">
-          <a:gsLst>
-            <a:gs pos="0">
-              <a:schemeClr val="accent4">
-                <a:tint val="60000"/>
-                <a:hueOff val="0"/>
-                <a:satOff val="0"/>
-                <a:lumOff val="0"/>
-                <a:alphaOff val="0"/>
-                <a:satMod val="103000"/>
-                <a:lumMod val="102000"/>
-                <a:tint val="94000"/>
-              </a:schemeClr>
-            </a:gs>
-            <a:gs pos="50000">
-              <a:schemeClr val="accent4">
-                <a:tint val="60000"/>
-                <a:hueOff val="0"/>
-                <a:satOff val="0"/>
-                <a:lumOff val="0"/>
-                <a:alphaOff val="0"/>
-                <a:satMod val="110000"/>
-                <a:lumMod val="100000"/>
-                <a:shade val="100000"/>
-              </a:schemeClr>
-            </a:gs>
-            <a:gs pos="100000">
-              <a:schemeClr val="accent4">
-                <a:tint val="60000"/>
-                <a:hueOff val="0"/>
-                <a:satOff val="0"/>
-                <a:lumOff val="0"/>
-                <a:alphaOff val="0"/>
-                <a:lumMod val="99000"/>
-                <a:satMod val="120000"/>
-                <a:shade val="78000"/>
-              </a:schemeClr>
-            </a:gs>
-          </a:gsLst>
-          <a:lin ang="5400000" scaled="0"/>
-        </a:gradFill>
-        <a:ln>
-          <a:noFill/>
-        </a:ln>
-        <a:effectLst>
-          <a:outerShdw blurRad="57150" dist="19050" dir="5400000" algn="ctr" rotWithShape="0">
-            <a:srgbClr val="000000">
-              <a:alpha val="63000"/>
-            </a:srgbClr>
-          </a:outerShdw>
-        </a:effectLst>
-      </dsp:spPr>
-      <dsp:style>
-        <a:lnRef idx="0">
-          <a:scrgbClr r="0" g="0" b="0"/>
-        </a:lnRef>
-        <a:fillRef idx="3">
-          <a:scrgbClr r="0" g="0" b="0"/>
-        </a:fillRef>
-        <a:effectRef idx="3">
-          <a:scrgbClr r="0" g="0" b="0"/>
-        </a:effectRef>
-        <a:fontRef idx="minor">
-          <a:schemeClr val="lt1"/>
-        </a:fontRef>
-      </dsp:style>
-      <dsp:txBody>
-        <a:bodyPr spcFirstLastPara="0" vert="horz" wrap="square" lIns="0" tIns="0" rIns="0" bIns="0" numCol="1" spcCol="1270" anchor="ctr" anchorCtr="0">
-          <a:noAutofit/>
-        </a:bodyPr>
-        <a:lstStyle/>
-        <a:p>
-          <a:pPr lvl="0" algn="ctr" defTabSz="800100">
-            <a:lnSpc>
-              <a:spcPct val="90000"/>
-            </a:lnSpc>
-            <a:spcBef>
-              <a:spcPct val="0"/>
-            </a:spcBef>
-            <a:spcAft>
-              <a:spcPct val="35000"/>
-            </a:spcAft>
-          </a:pPr>
-          <a:endParaRPr lang="en-US" sz="1800" kern="1200"/>
-        </a:p>
-      </dsp:txBody>
-      <dsp:txXfrm rot="10800000">
-        <a:off x="3136086" y="2472014"/>
-        <a:ext cx="449609" cy="399999"/>
-      </dsp:txXfrm>
-    </dsp:sp>
-    <dsp:sp modelId="{45FA9F2E-AE8A-4139-AEFC-A9D16C16F2F9}">
-      <dsp:nvSpPr>
-        <dsp:cNvPr id="0" name=""/>
-        <dsp:cNvSpPr/>
-      </dsp:nvSpPr>
-      <dsp:spPr>
-        <a:xfrm>
-          <a:off x="8993" y="2713302"/>
-          <a:ext cx="2688167" cy="1612900"/>
-        </a:xfrm>
-        <a:prstGeom prst="roundRect">
-          <a:avLst>
-            <a:gd name="adj" fmla="val 10000"/>
-          </a:avLst>
-        </a:prstGeom>
-        <a:gradFill rotWithShape="0">
-          <a:gsLst>
-            <a:gs pos="0">
-              <a:schemeClr val="accent4">
-                <a:hueOff val="0"/>
-                <a:satOff val="0"/>
-                <a:lumOff val="0"/>
-                <a:alphaOff val="0"/>
-                <a:satMod val="103000"/>
-                <a:lumMod val="102000"/>
-                <a:tint val="94000"/>
-              </a:schemeClr>
-            </a:gs>
-            <a:gs pos="50000">
-              <a:schemeClr val="accent4">
-                <a:hueOff val="0"/>
-                <a:satOff val="0"/>
-                <a:lumOff val="0"/>
-                <a:alphaOff val="0"/>
-                <a:satMod val="110000"/>
-                <a:lumMod val="100000"/>
-                <a:shade val="100000"/>
-              </a:schemeClr>
-            </a:gs>
-            <a:gs pos="100000">
-              <a:schemeClr val="accent4">
-                <a:hueOff val="0"/>
-                <a:satOff val="0"/>
-                <a:lumOff val="0"/>
-                <a:alphaOff val="0"/>
-                <a:lumMod val="99000"/>
-                <a:satMod val="120000"/>
-                <a:shade val="78000"/>
-              </a:schemeClr>
-            </a:gs>
-          </a:gsLst>
-          <a:lin ang="5400000" scaled="0"/>
-        </a:gradFill>
-        <a:ln>
-          <a:noFill/>
-        </a:ln>
-        <a:effectLst>
-          <a:outerShdw blurRad="57150" dist="19050" dir="5400000" algn="ctr" rotWithShape="0">
-            <a:srgbClr val="000000">
-              <a:alpha val="63000"/>
-            </a:srgbClr>
-          </a:outerShdw>
-        </a:effectLst>
-      </dsp:spPr>
-      <dsp:style>
-        <a:lnRef idx="0">
-          <a:scrgbClr r="0" g="0" b="0"/>
-        </a:lnRef>
-        <a:fillRef idx="3">
-          <a:scrgbClr r="0" g="0" b="0"/>
-        </a:fillRef>
-        <a:effectRef idx="3">
-          <a:scrgbClr r="0" g="0" b="0"/>
-        </a:effectRef>
-        <a:fontRef idx="minor">
-          <a:schemeClr val="lt1"/>
-        </a:fontRef>
-      </dsp:style>
-      <dsp:txBody>
-        <a:bodyPr spcFirstLastPara="0" vert="horz" wrap="square" lIns="87630" tIns="87630" rIns="87630" bIns="87630" numCol="1" spcCol="1270" anchor="ctr" anchorCtr="0">
-          <a:noAutofit/>
-        </a:bodyPr>
-        <a:lstStyle/>
-        <a:p>
-          <a:pPr lvl="0" algn="ctr" defTabSz="1022350">
-            <a:lnSpc>
-              <a:spcPct val="90000"/>
-            </a:lnSpc>
-            <a:spcBef>
-              <a:spcPct val="0"/>
-            </a:spcBef>
-            <a:spcAft>
-              <a:spcPct val="35000"/>
-            </a:spcAft>
-          </a:pPr>
-          <a:r>
-            <a:rPr lang="en-US" sz="2300" kern="1200" dirty="0" smtClean="0"/>
-            <a:t>Client Renders HTML</a:t>
-          </a:r>
-          <a:endParaRPr lang="en-US" sz="2300" kern="1200" dirty="0"/>
-        </a:p>
-      </dsp:txBody>
-      <dsp:txXfrm>
-        <a:off x="56233" y="2760542"/>
-        <a:ext cx="2593687" cy="1518420"/>
-      </dsp:txXfrm>
-    </dsp:sp>
   </dsp:spTree>
 </dsp:drawing>
 </file>
@@ -9657,772 +7226,6 @@
       <dsp:cNvGrpSpPr/>
     </dsp:nvGrpSpPr>
     <dsp:grpSpPr/>
-    <dsp:sp modelId="{D89CEA24-04F7-4F15-BDC1-AE1871BF26A8}">
-      <dsp:nvSpPr>
-        <dsp:cNvPr id="0" name=""/>
-        <dsp:cNvSpPr/>
-      </dsp:nvSpPr>
-      <dsp:spPr>
-        <a:xfrm>
-          <a:off x="430591" y="854"/>
-          <a:ext cx="1870775" cy="1122465"/>
-        </a:xfrm>
-        <a:prstGeom prst="roundRect">
-          <a:avLst>
-            <a:gd name="adj" fmla="val 10000"/>
-          </a:avLst>
-        </a:prstGeom>
-        <a:gradFill rotWithShape="0">
-          <a:gsLst>
-            <a:gs pos="0">
-              <a:schemeClr val="accent2">
-                <a:hueOff val="0"/>
-                <a:satOff val="0"/>
-                <a:lumOff val="0"/>
-                <a:alphaOff val="0"/>
-                <a:satMod val="103000"/>
-                <a:lumMod val="102000"/>
-                <a:tint val="94000"/>
-              </a:schemeClr>
-            </a:gs>
-            <a:gs pos="50000">
-              <a:schemeClr val="accent2">
-                <a:hueOff val="0"/>
-                <a:satOff val="0"/>
-                <a:lumOff val="0"/>
-                <a:alphaOff val="0"/>
-                <a:satMod val="110000"/>
-                <a:lumMod val="100000"/>
-                <a:shade val="100000"/>
-              </a:schemeClr>
-            </a:gs>
-            <a:gs pos="100000">
-              <a:schemeClr val="accent2">
-                <a:hueOff val="0"/>
-                <a:satOff val="0"/>
-                <a:lumOff val="0"/>
-                <a:alphaOff val="0"/>
-                <a:lumMod val="99000"/>
-                <a:satMod val="120000"/>
-                <a:shade val="78000"/>
-              </a:schemeClr>
-            </a:gs>
-          </a:gsLst>
-          <a:lin ang="5400000" scaled="0"/>
-        </a:gradFill>
-        <a:ln>
-          <a:noFill/>
-        </a:ln>
-        <a:effectLst>
-          <a:outerShdw blurRad="57150" dist="19050" dir="5400000" algn="ctr" rotWithShape="0">
-            <a:srgbClr val="000000">
-              <a:alpha val="63000"/>
-            </a:srgbClr>
-          </a:outerShdw>
-        </a:effectLst>
-      </dsp:spPr>
-      <dsp:style>
-        <a:lnRef idx="0">
-          <a:scrgbClr r="0" g="0" b="0"/>
-        </a:lnRef>
-        <a:fillRef idx="3">
-          <a:scrgbClr r="0" g="0" b="0"/>
-        </a:fillRef>
-        <a:effectRef idx="3">
-          <a:scrgbClr r="0" g="0" b="0"/>
-        </a:effectRef>
-        <a:fontRef idx="minor">
-          <a:schemeClr val="lt1"/>
-        </a:fontRef>
-      </dsp:style>
-      <dsp:txBody>
-        <a:bodyPr spcFirstLastPara="0" vert="horz" wrap="square" lIns="60960" tIns="60960" rIns="60960" bIns="60960" numCol="1" spcCol="1270" anchor="ctr" anchorCtr="0">
-          <a:noAutofit/>
-        </a:bodyPr>
-        <a:lstStyle/>
-        <a:p>
-          <a:pPr lvl="0" algn="ctr" defTabSz="711200">
-            <a:lnSpc>
-              <a:spcPct val="90000"/>
-            </a:lnSpc>
-            <a:spcBef>
-              <a:spcPct val="0"/>
-            </a:spcBef>
-            <a:spcAft>
-              <a:spcPct val="35000"/>
-            </a:spcAft>
-          </a:pPr>
-          <a:r>
-            <a:rPr lang="en-US" sz="1600" kern="1200" dirty="0" smtClean="0"/>
-            <a:t>Client Issues an HTTP GET (\Product)</a:t>
-          </a:r>
-          <a:endParaRPr lang="en-US" sz="1600" kern="1200" dirty="0"/>
-        </a:p>
-      </dsp:txBody>
-      <dsp:txXfrm>
-        <a:off x="463467" y="33730"/>
-        <a:ext cx="1805023" cy="1056713"/>
-      </dsp:txXfrm>
-    </dsp:sp>
-    <dsp:sp modelId="{1B59E2AF-0D52-483A-B065-A9DDB27C6D5D}">
-      <dsp:nvSpPr>
-        <dsp:cNvPr id="0" name=""/>
-        <dsp:cNvSpPr/>
-      </dsp:nvSpPr>
-      <dsp:spPr>
-        <a:xfrm rot="1109563">
-          <a:off x="2453506" y="763003"/>
-          <a:ext cx="413598" cy="463952"/>
-        </a:xfrm>
-        <a:prstGeom prst="rightArrow">
-          <a:avLst>
-            <a:gd name="adj1" fmla="val 60000"/>
-            <a:gd name="adj2" fmla="val 50000"/>
-          </a:avLst>
-        </a:prstGeom>
-        <a:gradFill rotWithShape="0">
-          <a:gsLst>
-            <a:gs pos="0">
-              <a:schemeClr val="accent2">
-                <a:tint val="60000"/>
-                <a:hueOff val="0"/>
-                <a:satOff val="0"/>
-                <a:lumOff val="0"/>
-                <a:alphaOff val="0"/>
-                <a:satMod val="103000"/>
-                <a:lumMod val="102000"/>
-                <a:tint val="94000"/>
-              </a:schemeClr>
-            </a:gs>
-            <a:gs pos="50000">
-              <a:schemeClr val="accent2">
-                <a:tint val="60000"/>
-                <a:hueOff val="0"/>
-                <a:satOff val="0"/>
-                <a:lumOff val="0"/>
-                <a:alphaOff val="0"/>
-                <a:satMod val="110000"/>
-                <a:lumMod val="100000"/>
-                <a:shade val="100000"/>
-              </a:schemeClr>
-            </a:gs>
-            <a:gs pos="100000">
-              <a:schemeClr val="accent2">
-                <a:tint val="60000"/>
-                <a:hueOff val="0"/>
-                <a:satOff val="0"/>
-                <a:lumOff val="0"/>
-                <a:alphaOff val="0"/>
-                <a:lumMod val="99000"/>
-                <a:satMod val="120000"/>
-                <a:shade val="78000"/>
-              </a:schemeClr>
-            </a:gs>
-          </a:gsLst>
-          <a:lin ang="5400000" scaled="0"/>
-        </a:gradFill>
-        <a:ln>
-          <a:noFill/>
-        </a:ln>
-        <a:effectLst>
-          <a:outerShdw blurRad="57150" dist="19050" dir="5400000" algn="ctr" rotWithShape="0">
-            <a:srgbClr val="000000">
-              <a:alpha val="63000"/>
-            </a:srgbClr>
-          </a:outerShdw>
-        </a:effectLst>
-      </dsp:spPr>
-      <dsp:style>
-        <a:lnRef idx="0">
-          <a:scrgbClr r="0" g="0" b="0"/>
-        </a:lnRef>
-        <a:fillRef idx="3">
-          <a:scrgbClr r="0" g="0" b="0"/>
-        </a:fillRef>
-        <a:effectRef idx="3">
-          <a:scrgbClr r="0" g="0" b="0"/>
-        </a:effectRef>
-        <a:fontRef idx="minor">
-          <a:schemeClr val="lt1"/>
-        </a:fontRef>
-      </dsp:style>
-      <dsp:txBody>
-        <a:bodyPr spcFirstLastPara="0" vert="horz" wrap="square" lIns="0" tIns="0" rIns="0" bIns="0" numCol="1" spcCol="1270" anchor="ctr" anchorCtr="0">
-          <a:noAutofit/>
-        </a:bodyPr>
-        <a:lstStyle/>
-        <a:p>
-          <a:pPr lvl="0" algn="ctr" defTabSz="577850">
-            <a:lnSpc>
-              <a:spcPct val="90000"/>
-            </a:lnSpc>
-            <a:spcBef>
-              <a:spcPct val="0"/>
-            </a:spcBef>
-            <a:spcAft>
-              <a:spcPct val="35000"/>
-            </a:spcAft>
-          </a:pPr>
-          <a:endParaRPr lang="en-US" sz="1300" kern="1200"/>
-        </a:p>
-      </dsp:txBody>
-      <dsp:txXfrm>
-        <a:off x="2456709" y="836115"/>
-        <a:ext cx="289519" cy="278372"/>
-      </dsp:txXfrm>
-    </dsp:sp>
-    <dsp:sp modelId="{54578D54-65BE-40E0-ABD4-92036C6986D8}">
-      <dsp:nvSpPr>
-        <dsp:cNvPr id="0" name=""/>
-        <dsp:cNvSpPr/>
-      </dsp:nvSpPr>
-      <dsp:spPr>
-        <a:xfrm>
-          <a:off x="3041446" y="874065"/>
-          <a:ext cx="1870775" cy="1122465"/>
-        </a:xfrm>
-        <a:prstGeom prst="roundRect">
-          <a:avLst>
-            <a:gd name="adj" fmla="val 10000"/>
-          </a:avLst>
-        </a:prstGeom>
-        <a:gradFill rotWithShape="0">
-          <a:gsLst>
-            <a:gs pos="0">
-              <a:schemeClr val="accent2">
-                <a:hueOff val="0"/>
-                <a:satOff val="0"/>
-                <a:lumOff val="0"/>
-                <a:alphaOff val="0"/>
-                <a:satMod val="103000"/>
-                <a:lumMod val="102000"/>
-                <a:tint val="94000"/>
-              </a:schemeClr>
-            </a:gs>
-            <a:gs pos="50000">
-              <a:schemeClr val="accent2">
-                <a:hueOff val="0"/>
-                <a:satOff val="0"/>
-                <a:lumOff val="0"/>
-                <a:alphaOff val="0"/>
-                <a:satMod val="110000"/>
-                <a:lumMod val="100000"/>
-                <a:shade val="100000"/>
-              </a:schemeClr>
-            </a:gs>
-            <a:gs pos="100000">
-              <a:schemeClr val="accent2">
-                <a:hueOff val="0"/>
-                <a:satOff val="0"/>
-                <a:lumOff val="0"/>
-                <a:alphaOff val="0"/>
-                <a:lumMod val="99000"/>
-                <a:satMod val="120000"/>
-                <a:shade val="78000"/>
-              </a:schemeClr>
-            </a:gs>
-          </a:gsLst>
-          <a:lin ang="5400000" scaled="0"/>
-        </a:gradFill>
-        <a:ln>
-          <a:noFill/>
-        </a:ln>
-        <a:effectLst>
-          <a:outerShdw blurRad="57150" dist="19050" dir="5400000" algn="ctr" rotWithShape="0">
-            <a:srgbClr val="000000">
-              <a:alpha val="63000"/>
-            </a:srgbClr>
-          </a:outerShdw>
-        </a:effectLst>
-      </dsp:spPr>
-      <dsp:style>
-        <a:lnRef idx="0">
-          <a:scrgbClr r="0" g="0" b="0"/>
-        </a:lnRef>
-        <a:fillRef idx="3">
-          <a:scrgbClr r="0" g="0" b="0"/>
-        </a:fillRef>
-        <a:effectRef idx="3">
-          <a:scrgbClr r="0" g="0" b="0"/>
-        </a:effectRef>
-        <a:fontRef idx="minor">
-          <a:schemeClr val="lt1"/>
-        </a:fontRef>
-      </dsp:style>
-      <dsp:txBody>
-        <a:bodyPr spcFirstLastPara="0" vert="horz" wrap="square" lIns="60960" tIns="60960" rIns="60960" bIns="60960" numCol="1" spcCol="1270" anchor="ctr" anchorCtr="0">
-          <a:noAutofit/>
-        </a:bodyPr>
-        <a:lstStyle/>
-        <a:p>
-          <a:pPr lvl="0" algn="ctr" defTabSz="711200">
-            <a:lnSpc>
-              <a:spcPct val="90000"/>
-            </a:lnSpc>
-            <a:spcBef>
-              <a:spcPct val="0"/>
-            </a:spcBef>
-            <a:spcAft>
-              <a:spcPct val="35000"/>
-            </a:spcAft>
-          </a:pPr>
-          <a:r>
-            <a:rPr lang="en-US" sz="1600" kern="1200" dirty="0" smtClean="0"/>
-            <a:t>MVC Controller</a:t>
-          </a:r>
-        </a:p>
-        <a:p>
-          <a:pPr lvl="0" algn="ctr" defTabSz="711200">
-            <a:lnSpc>
-              <a:spcPct val="90000"/>
-            </a:lnSpc>
-            <a:spcBef>
-              <a:spcPct val="0"/>
-            </a:spcBef>
-            <a:spcAft>
-              <a:spcPct val="35000"/>
-            </a:spcAft>
-          </a:pPr>
-          <a:r>
-            <a:rPr lang="en-US" sz="1600" kern="1200" dirty="0" smtClean="0"/>
-            <a:t>Receives Request</a:t>
-          </a:r>
-          <a:endParaRPr lang="en-US" sz="1600" kern="1200" dirty="0"/>
-        </a:p>
-      </dsp:txBody>
-      <dsp:txXfrm>
-        <a:off x="3074322" y="906941"/>
-        <a:ext cx="1805023" cy="1056713"/>
-      </dsp:txXfrm>
-    </dsp:sp>
-    <dsp:sp modelId="{AA7DA251-7101-4C1D-859D-0B6058890E94}">
-      <dsp:nvSpPr>
-        <dsp:cNvPr id="0" name=""/>
-        <dsp:cNvSpPr/>
-      </dsp:nvSpPr>
-      <dsp:spPr>
-        <a:xfrm rot="21274391">
-          <a:off x="3448984" y="1206366"/>
-          <a:ext cx="991593" cy="463952"/>
-        </a:xfrm>
-        <a:prstGeom prst="rightArrow">
-          <a:avLst>
-            <a:gd name="adj1" fmla="val 60000"/>
-            <a:gd name="adj2" fmla="val 50000"/>
-          </a:avLst>
-        </a:prstGeom>
-        <a:gradFill rotWithShape="0">
-          <a:gsLst>
-            <a:gs pos="0">
-              <a:schemeClr val="accent2">
-                <a:tint val="60000"/>
-                <a:hueOff val="0"/>
-                <a:satOff val="0"/>
-                <a:lumOff val="0"/>
-                <a:alphaOff val="0"/>
-                <a:satMod val="103000"/>
-                <a:lumMod val="102000"/>
-                <a:tint val="94000"/>
-              </a:schemeClr>
-            </a:gs>
-            <a:gs pos="50000">
-              <a:schemeClr val="accent2">
-                <a:tint val="60000"/>
-                <a:hueOff val="0"/>
-                <a:satOff val="0"/>
-                <a:lumOff val="0"/>
-                <a:alphaOff val="0"/>
-                <a:satMod val="110000"/>
-                <a:lumMod val="100000"/>
-                <a:shade val="100000"/>
-              </a:schemeClr>
-            </a:gs>
-            <a:gs pos="100000">
-              <a:schemeClr val="accent2">
-                <a:tint val="60000"/>
-                <a:hueOff val="0"/>
-                <a:satOff val="0"/>
-                <a:lumOff val="0"/>
-                <a:alphaOff val="0"/>
-                <a:lumMod val="99000"/>
-                <a:satMod val="120000"/>
-                <a:shade val="78000"/>
-              </a:schemeClr>
-            </a:gs>
-          </a:gsLst>
-          <a:lin ang="5400000" scaled="0"/>
-        </a:gradFill>
-        <a:ln>
-          <a:noFill/>
-        </a:ln>
-        <a:effectLst>
-          <a:outerShdw blurRad="57150" dist="19050" dir="5400000" algn="ctr" rotWithShape="0">
-            <a:srgbClr val="000000">
-              <a:alpha val="63000"/>
-            </a:srgbClr>
-          </a:outerShdw>
-        </a:effectLst>
-      </dsp:spPr>
-      <dsp:style>
-        <a:lnRef idx="0">
-          <a:scrgbClr r="0" g="0" b="0"/>
-        </a:lnRef>
-        <a:fillRef idx="3">
-          <a:scrgbClr r="0" g="0" b="0"/>
-        </a:fillRef>
-        <a:effectRef idx="3">
-          <a:scrgbClr r="0" g="0" b="0"/>
-        </a:effectRef>
-        <a:fontRef idx="minor">
-          <a:schemeClr val="lt1"/>
-        </a:fontRef>
-      </dsp:style>
-      <dsp:txBody>
-        <a:bodyPr spcFirstLastPara="0" vert="horz" wrap="square" lIns="0" tIns="0" rIns="0" bIns="0" numCol="1" spcCol="1270" anchor="ctr" anchorCtr="0">
-          <a:noAutofit/>
-        </a:bodyPr>
-        <a:lstStyle/>
-        <a:p>
-          <a:pPr lvl="0" algn="ctr" defTabSz="577850">
-            <a:lnSpc>
-              <a:spcPct val="90000"/>
-            </a:lnSpc>
-            <a:spcBef>
-              <a:spcPct val="0"/>
-            </a:spcBef>
-            <a:spcAft>
-              <a:spcPct val="35000"/>
-            </a:spcAft>
-          </a:pPr>
-          <a:endParaRPr lang="en-US" sz="1300" kern="1200"/>
-        </a:p>
-      </dsp:txBody>
-      <dsp:txXfrm>
-        <a:off x="3449296" y="1305738"/>
-        <a:ext cx="852407" cy="278372"/>
-      </dsp:txXfrm>
-    </dsp:sp>
-    <dsp:sp modelId="{544194A6-5B9D-4D2D-8D30-20A2AD02A23D}">
-      <dsp:nvSpPr>
-        <dsp:cNvPr id="0" name=""/>
-        <dsp:cNvSpPr/>
-      </dsp:nvSpPr>
-      <dsp:spPr>
-        <a:xfrm>
-          <a:off x="3033215" y="874847"/>
-          <a:ext cx="1870775" cy="1122465"/>
-        </a:xfrm>
-        <a:prstGeom prst="roundRect">
-          <a:avLst>
-            <a:gd name="adj" fmla="val 10000"/>
-          </a:avLst>
-        </a:prstGeom>
-        <a:gradFill rotWithShape="0">
-          <a:gsLst>
-            <a:gs pos="0">
-              <a:schemeClr val="accent2">
-                <a:hueOff val="0"/>
-                <a:satOff val="0"/>
-                <a:lumOff val="0"/>
-                <a:alphaOff val="0"/>
-                <a:satMod val="103000"/>
-                <a:lumMod val="102000"/>
-                <a:tint val="94000"/>
-              </a:schemeClr>
-            </a:gs>
-            <a:gs pos="50000">
-              <a:schemeClr val="accent2">
-                <a:hueOff val="0"/>
-                <a:satOff val="0"/>
-                <a:lumOff val="0"/>
-                <a:alphaOff val="0"/>
-                <a:satMod val="110000"/>
-                <a:lumMod val="100000"/>
-                <a:shade val="100000"/>
-              </a:schemeClr>
-            </a:gs>
-            <a:gs pos="100000">
-              <a:schemeClr val="accent2">
-                <a:hueOff val="0"/>
-                <a:satOff val="0"/>
-                <a:lumOff val="0"/>
-                <a:alphaOff val="0"/>
-                <a:lumMod val="99000"/>
-                <a:satMod val="120000"/>
-                <a:shade val="78000"/>
-              </a:schemeClr>
-            </a:gs>
-          </a:gsLst>
-          <a:lin ang="5400000" scaled="0"/>
-        </a:gradFill>
-        <a:ln>
-          <a:noFill/>
-        </a:ln>
-        <a:effectLst>
-          <a:outerShdw blurRad="57150" dist="19050" dir="5400000" algn="ctr" rotWithShape="0">
-            <a:srgbClr val="000000">
-              <a:alpha val="63000"/>
-            </a:srgbClr>
-          </a:outerShdw>
-        </a:effectLst>
-      </dsp:spPr>
-      <dsp:style>
-        <a:lnRef idx="0">
-          <a:scrgbClr r="0" g="0" b="0"/>
-        </a:lnRef>
-        <a:fillRef idx="3">
-          <a:scrgbClr r="0" g="0" b="0"/>
-        </a:fillRef>
-        <a:effectRef idx="3">
-          <a:scrgbClr r="0" g="0" b="0"/>
-        </a:effectRef>
-        <a:fontRef idx="minor">
-          <a:schemeClr val="lt1"/>
-        </a:fontRef>
-      </dsp:style>
-      <dsp:txBody>
-        <a:bodyPr spcFirstLastPara="0" vert="horz" wrap="square" lIns="60960" tIns="60960" rIns="60960" bIns="60960" numCol="1" spcCol="1270" anchor="ctr" anchorCtr="0">
-          <a:noAutofit/>
-        </a:bodyPr>
-        <a:lstStyle/>
-        <a:p>
-          <a:pPr lvl="0" algn="ctr" defTabSz="711200">
-            <a:lnSpc>
-              <a:spcPct val="90000"/>
-            </a:lnSpc>
-            <a:spcBef>
-              <a:spcPct val="0"/>
-            </a:spcBef>
-            <a:spcAft>
-              <a:spcPct val="35000"/>
-            </a:spcAft>
-          </a:pPr>
-          <a:r>
-            <a:rPr lang="en-US" sz="1600" kern="1200" dirty="0" smtClean="0"/>
-            <a:t>MVC Controller Returns HTML only (FAST, no errors)</a:t>
-          </a:r>
-          <a:endParaRPr lang="en-US" sz="1600" kern="1200" dirty="0"/>
-        </a:p>
-      </dsp:txBody>
-      <dsp:txXfrm>
-        <a:off x="3066091" y="907723"/>
-        <a:ext cx="1805023" cy="1056713"/>
-      </dsp:txXfrm>
-    </dsp:sp>
-    <dsp:sp modelId="{DF64C6CE-26B2-4F45-9725-C55694AE2AD7}">
-      <dsp:nvSpPr>
-        <dsp:cNvPr id="0" name=""/>
-        <dsp:cNvSpPr/>
-      </dsp:nvSpPr>
-      <dsp:spPr>
-        <a:xfrm rot="9542615">
-          <a:off x="2470592" y="1698290"/>
-          <a:ext cx="415353" cy="463952"/>
-        </a:xfrm>
-        <a:prstGeom prst="rightArrow">
-          <a:avLst>
-            <a:gd name="adj1" fmla="val 60000"/>
-            <a:gd name="adj2" fmla="val 50000"/>
-          </a:avLst>
-        </a:prstGeom>
-        <a:gradFill rotWithShape="0">
-          <a:gsLst>
-            <a:gs pos="0">
-              <a:schemeClr val="accent2">
-                <a:tint val="60000"/>
-                <a:hueOff val="0"/>
-                <a:satOff val="0"/>
-                <a:lumOff val="0"/>
-                <a:alphaOff val="0"/>
-                <a:satMod val="103000"/>
-                <a:lumMod val="102000"/>
-                <a:tint val="94000"/>
-              </a:schemeClr>
-            </a:gs>
-            <a:gs pos="50000">
-              <a:schemeClr val="accent2">
-                <a:tint val="60000"/>
-                <a:hueOff val="0"/>
-                <a:satOff val="0"/>
-                <a:lumOff val="0"/>
-                <a:alphaOff val="0"/>
-                <a:satMod val="110000"/>
-                <a:lumMod val="100000"/>
-                <a:shade val="100000"/>
-              </a:schemeClr>
-            </a:gs>
-            <a:gs pos="100000">
-              <a:schemeClr val="accent2">
-                <a:tint val="60000"/>
-                <a:hueOff val="0"/>
-                <a:satOff val="0"/>
-                <a:lumOff val="0"/>
-                <a:alphaOff val="0"/>
-                <a:lumMod val="99000"/>
-                <a:satMod val="120000"/>
-                <a:shade val="78000"/>
-              </a:schemeClr>
-            </a:gs>
-          </a:gsLst>
-          <a:lin ang="5400000" scaled="0"/>
-        </a:gradFill>
-        <a:ln>
-          <a:noFill/>
-        </a:ln>
-        <a:effectLst>
-          <a:outerShdw blurRad="57150" dist="19050" dir="5400000" algn="ctr" rotWithShape="0">
-            <a:srgbClr val="000000">
-              <a:alpha val="63000"/>
-            </a:srgbClr>
-          </a:outerShdw>
-        </a:effectLst>
-      </dsp:spPr>
-      <dsp:style>
-        <a:lnRef idx="0">
-          <a:scrgbClr r="0" g="0" b="0"/>
-        </a:lnRef>
-        <a:fillRef idx="3">
-          <a:scrgbClr r="0" g="0" b="0"/>
-        </a:fillRef>
-        <a:effectRef idx="3">
-          <a:scrgbClr r="0" g="0" b="0"/>
-        </a:effectRef>
-        <a:fontRef idx="minor">
-          <a:schemeClr val="lt1"/>
-        </a:fontRef>
-      </dsp:style>
-      <dsp:txBody>
-        <a:bodyPr spcFirstLastPara="0" vert="horz" wrap="square" lIns="0" tIns="0" rIns="0" bIns="0" numCol="1" spcCol="1270" anchor="ctr" anchorCtr="0">
-          <a:noAutofit/>
-        </a:bodyPr>
-        <a:lstStyle/>
-        <a:p>
-          <a:pPr lvl="0" algn="ctr" defTabSz="577850">
-            <a:lnSpc>
-              <a:spcPct val="90000"/>
-            </a:lnSpc>
-            <a:spcBef>
-              <a:spcPct val="0"/>
-            </a:spcBef>
-            <a:spcAft>
-              <a:spcPct val="35000"/>
-            </a:spcAft>
-          </a:pPr>
-          <a:endParaRPr lang="en-US" sz="1300" kern="1200"/>
-        </a:p>
-      </dsp:txBody>
-      <dsp:txXfrm rot="10800000">
-        <a:off x="2591077" y="1768797"/>
-        <a:ext cx="290747" cy="278372"/>
-      </dsp:txXfrm>
-    </dsp:sp>
-    <dsp:sp modelId="{45FA9F2E-AE8A-4139-AEFC-A9D16C16F2F9}">
-      <dsp:nvSpPr>
-        <dsp:cNvPr id="0" name=""/>
-        <dsp:cNvSpPr/>
-      </dsp:nvSpPr>
-      <dsp:spPr>
-        <a:xfrm>
-          <a:off x="430591" y="1871630"/>
-          <a:ext cx="1870775" cy="1122465"/>
-        </a:xfrm>
-        <a:prstGeom prst="roundRect">
-          <a:avLst>
-            <a:gd name="adj" fmla="val 10000"/>
-          </a:avLst>
-        </a:prstGeom>
-        <a:gradFill rotWithShape="0">
-          <a:gsLst>
-            <a:gs pos="0">
-              <a:schemeClr val="accent2">
-                <a:hueOff val="0"/>
-                <a:satOff val="0"/>
-                <a:lumOff val="0"/>
-                <a:alphaOff val="0"/>
-                <a:satMod val="103000"/>
-                <a:lumMod val="102000"/>
-                <a:tint val="94000"/>
-              </a:schemeClr>
-            </a:gs>
-            <a:gs pos="50000">
-              <a:schemeClr val="accent2">
-                <a:hueOff val="0"/>
-                <a:satOff val="0"/>
-                <a:lumOff val="0"/>
-                <a:alphaOff val="0"/>
-                <a:satMod val="110000"/>
-                <a:lumMod val="100000"/>
-                <a:shade val="100000"/>
-              </a:schemeClr>
-            </a:gs>
-            <a:gs pos="100000">
-              <a:schemeClr val="accent2">
-                <a:hueOff val="0"/>
-                <a:satOff val="0"/>
-                <a:lumOff val="0"/>
-                <a:alphaOff val="0"/>
-                <a:lumMod val="99000"/>
-                <a:satMod val="120000"/>
-                <a:shade val="78000"/>
-              </a:schemeClr>
-            </a:gs>
-          </a:gsLst>
-          <a:lin ang="5400000" scaled="0"/>
-        </a:gradFill>
-        <a:ln>
-          <a:noFill/>
-        </a:ln>
-        <a:effectLst>
-          <a:outerShdw blurRad="57150" dist="19050" dir="5400000" algn="ctr" rotWithShape="0">
-            <a:srgbClr val="000000">
-              <a:alpha val="63000"/>
-            </a:srgbClr>
-          </a:outerShdw>
-        </a:effectLst>
-      </dsp:spPr>
-      <dsp:style>
-        <a:lnRef idx="0">
-          <a:scrgbClr r="0" g="0" b="0"/>
-        </a:lnRef>
-        <a:fillRef idx="3">
-          <a:scrgbClr r="0" g="0" b="0"/>
-        </a:fillRef>
-        <a:effectRef idx="3">
-          <a:scrgbClr r="0" g="0" b="0"/>
-        </a:effectRef>
-        <a:fontRef idx="minor">
-          <a:schemeClr val="lt1"/>
-        </a:fontRef>
-      </dsp:style>
-      <dsp:txBody>
-        <a:bodyPr spcFirstLastPara="0" vert="horz" wrap="square" lIns="60960" tIns="60960" rIns="60960" bIns="60960" numCol="1" spcCol="1270" anchor="ctr" anchorCtr="0">
-          <a:noAutofit/>
-        </a:bodyPr>
-        <a:lstStyle/>
-        <a:p>
-          <a:pPr lvl="0" algn="ctr" defTabSz="711200">
-            <a:lnSpc>
-              <a:spcPct val="90000"/>
-            </a:lnSpc>
-            <a:spcBef>
-              <a:spcPct val="0"/>
-            </a:spcBef>
-            <a:spcAft>
-              <a:spcPct val="35000"/>
-            </a:spcAft>
-          </a:pPr>
-          <a:r>
-            <a:rPr lang="en-US" sz="1600" kern="1200" dirty="0" smtClean="0"/>
-            <a:t>Client Renders HTML</a:t>
-          </a:r>
-          <a:endParaRPr lang="en-US" sz="1600" kern="1200" dirty="0"/>
-        </a:p>
-      </dsp:txBody>
-      <dsp:txXfrm>
-        <a:off x="463467" y="1904506"/>
-        <a:ext cx="1805023" cy="1056713"/>
-      </dsp:txXfrm>
-    </dsp:sp>
   </dsp:spTree>
 </dsp:drawing>
 </file>
@@ -10435,805 +7238,6 @@
       <dsp:cNvGrpSpPr/>
     </dsp:nvGrpSpPr>
     <dsp:grpSpPr/>
-    <dsp:sp modelId="{D89CEA24-04F7-4F15-BDC1-AE1871BF26A8}">
-      <dsp:nvSpPr>
-        <dsp:cNvPr id="0" name=""/>
-        <dsp:cNvSpPr/>
-      </dsp:nvSpPr>
-      <dsp:spPr>
-        <a:xfrm>
-          <a:off x="430591" y="854"/>
-          <a:ext cx="1870775" cy="1122465"/>
-        </a:xfrm>
-        <a:prstGeom prst="roundRect">
-          <a:avLst>
-            <a:gd name="adj" fmla="val 10000"/>
-          </a:avLst>
-        </a:prstGeom>
-        <a:gradFill rotWithShape="0">
-          <a:gsLst>
-            <a:gs pos="0">
-              <a:schemeClr val="accent6">
-                <a:hueOff val="0"/>
-                <a:satOff val="0"/>
-                <a:lumOff val="0"/>
-                <a:alphaOff val="0"/>
-                <a:satMod val="103000"/>
-                <a:lumMod val="102000"/>
-                <a:tint val="94000"/>
-              </a:schemeClr>
-            </a:gs>
-            <a:gs pos="50000">
-              <a:schemeClr val="accent6">
-                <a:hueOff val="0"/>
-                <a:satOff val="0"/>
-                <a:lumOff val="0"/>
-                <a:alphaOff val="0"/>
-                <a:satMod val="110000"/>
-                <a:lumMod val="100000"/>
-                <a:shade val="100000"/>
-              </a:schemeClr>
-            </a:gs>
-            <a:gs pos="100000">
-              <a:schemeClr val="accent6">
-                <a:hueOff val="0"/>
-                <a:satOff val="0"/>
-                <a:lumOff val="0"/>
-                <a:alphaOff val="0"/>
-                <a:lumMod val="99000"/>
-                <a:satMod val="120000"/>
-                <a:shade val="78000"/>
-              </a:schemeClr>
-            </a:gs>
-          </a:gsLst>
-          <a:lin ang="5400000" scaled="0"/>
-        </a:gradFill>
-        <a:ln>
-          <a:noFill/>
-        </a:ln>
-        <a:effectLst>
-          <a:outerShdw blurRad="57150" dist="19050" dir="5400000" algn="ctr" rotWithShape="0">
-            <a:srgbClr val="000000">
-              <a:alpha val="63000"/>
-            </a:srgbClr>
-          </a:outerShdw>
-        </a:effectLst>
-      </dsp:spPr>
-      <dsp:style>
-        <a:lnRef idx="0">
-          <a:scrgbClr r="0" g="0" b="0"/>
-        </a:lnRef>
-        <a:fillRef idx="3">
-          <a:scrgbClr r="0" g="0" b="0"/>
-        </a:fillRef>
-        <a:effectRef idx="3">
-          <a:scrgbClr r="0" g="0" b="0"/>
-        </a:effectRef>
-        <a:fontRef idx="minor">
-          <a:schemeClr val="lt1"/>
-        </a:fontRef>
-      </dsp:style>
-      <dsp:txBody>
-        <a:bodyPr spcFirstLastPara="0" vert="horz" wrap="square" lIns="57150" tIns="57150" rIns="57150" bIns="57150" numCol="1" spcCol="1270" anchor="ctr" anchorCtr="0">
-          <a:noAutofit/>
-        </a:bodyPr>
-        <a:lstStyle/>
-        <a:p>
-          <a:pPr lvl="0" algn="ctr" defTabSz="666750">
-            <a:lnSpc>
-              <a:spcPct val="90000"/>
-            </a:lnSpc>
-            <a:spcBef>
-              <a:spcPct val="0"/>
-            </a:spcBef>
-            <a:spcAft>
-              <a:spcPct val="35000"/>
-            </a:spcAft>
-          </a:pPr>
-          <a:r>
-            <a:rPr lang="en-US" sz="1500" kern="1200" dirty="0" err="1" smtClean="0"/>
-            <a:t>AngularJS</a:t>
-          </a:r>
-          <a:r>
-            <a:rPr lang="en-US" sz="1500" kern="1200" dirty="0" smtClean="0"/>
-            <a:t> Issues an HTTP GET - (\</a:t>
-          </a:r>
-          <a:r>
-            <a:rPr lang="en-US" sz="1500" kern="1200" dirty="0" err="1" smtClean="0"/>
-            <a:t>Api</a:t>
-          </a:r>
-          <a:r>
-            <a:rPr lang="en-US" sz="1500" kern="1200" dirty="0" smtClean="0"/>
-            <a:t>\Product\1)</a:t>
-          </a:r>
-          <a:endParaRPr lang="en-US" sz="1500" kern="1200" dirty="0"/>
-        </a:p>
-      </dsp:txBody>
-      <dsp:txXfrm>
-        <a:off x="463467" y="33730"/>
-        <a:ext cx="1805023" cy="1056713"/>
-      </dsp:txXfrm>
-    </dsp:sp>
-    <dsp:sp modelId="{1B59E2AF-0D52-483A-B065-A9DDB27C6D5D}">
-      <dsp:nvSpPr>
-        <dsp:cNvPr id="0" name=""/>
-        <dsp:cNvSpPr/>
-      </dsp:nvSpPr>
-      <dsp:spPr>
-        <a:xfrm rot="1129040">
-          <a:off x="2453110" y="771172"/>
-          <a:ext cx="414390" cy="463952"/>
-        </a:xfrm>
-        <a:prstGeom prst="rightArrow">
-          <a:avLst>
-            <a:gd name="adj1" fmla="val 60000"/>
-            <a:gd name="adj2" fmla="val 50000"/>
-          </a:avLst>
-        </a:prstGeom>
-        <a:gradFill rotWithShape="0">
-          <a:gsLst>
-            <a:gs pos="0">
-              <a:schemeClr val="accent6">
-                <a:tint val="60000"/>
-                <a:hueOff val="0"/>
-                <a:satOff val="0"/>
-                <a:lumOff val="0"/>
-                <a:alphaOff val="0"/>
-                <a:satMod val="103000"/>
-                <a:lumMod val="102000"/>
-                <a:tint val="94000"/>
-              </a:schemeClr>
-            </a:gs>
-            <a:gs pos="50000">
-              <a:schemeClr val="accent6">
-                <a:tint val="60000"/>
-                <a:hueOff val="0"/>
-                <a:satOff val="0"/>
-                <a:lumOff val="0"/>
-                <a:alphaOff val="0"/>
-                <a:satMod val="110000"/>
-                <a:lumMod val="100000"/>
-                <a:shade val="100000"/>
-              </a:schemeClr>
-            </a:gs>
-            <a:gs pos="100000">
-              <a:schemeClr val="accent6">
-                <a:tint val="60000"/>
-                <a:hueOff val="0"/>
-                <a:satOff val="0"/>
-                <a:lumOff val="0"/>
-                <a:alphaOff val="0"/>
-                <a:lumMod val="99000"/>
-                <a:satMod val="120000"/>
-                <a:shade val="78000"/>
-              </a:schemeClr>
-            </a:gs>
-          </a:gsLst>
-          <a:lin ang="5400000" scaled="0"/>
-        </a:gradFill>
-        <a:ln>
-          <a:noFill/>
-        </a:ln>
-        <a:effectLst>
-          <a:outerShdw blurRad="57150" dist="19050" dir="5400000" algn="ctr" rotWithShape="0">
-            <a:srgbClr val="000000">
-              <a:alpha val="63000"/>
-            </a:srgbClr>
-          </a:outerShdw>
-        </a:effectLst>
-      </dsp:spPr>
-      <dsp:style>
-        <a:lnRef idx="0">
-          <a:scrgbClr r="0" g="0" b="0"/>
-        </a:lnRef>
-        <a:fillRef idx="3">
-          <a:scrgbClr r="0" g="0" b="0"/>
-        </a:fillRef>
-        <a:effectRef idx="3">
-          <a:scrgbClr r="0" g="0" b="0"/>
-        </a:effectRef>
-        <a:fontRef idx="minor">
-          <a:schemeClr val="lt1"/>
-        </a:fontRef>
-      </dsp:style>
-      <dsp:txBody>
-        <a:bodyPr spcFirstLastPara="0" vert="horz" wrap="square" lIns="0" tIns="0" rIns="0" bIns="0" numCol="1" spcCol="1270" anchor="ctr" anchorCtr="0">
-          <a:noAutofit/>
-        </a:bodyPr>
-        <a:lstStyle/>
-        <a:p>
-          <a:pPr lvl="0" algn="ctr" defTabSz="533400">
-            <a:lnSpc>
-              <a:spcPct val="90000"/>
-            </a:lnSpc>
-            <a:spcBef>
-              <a:spcPct val="0"/>
-            </a:spcBef>
-            <a:spcAft>
-              <a:spcPct val="35000"/>
-            </a:spcAft>
-          </a:pPr>
-          <a:endParaRPr lang="en-US" sz="1200" kern="1200"/>
-        </a:p>
-      </dsp:txBody>
-      <dsp:txXfrm>
-        <a:off x="2456432" y="843913"/>
-        <a:ext cx="290073" cy="278372"/>
-      </dsp:txXfrm>
-    </dsp:sp>
-    <dsp:sp modelId="{54578D54-65BE-40E0-ABD4-92036C6986D8}">
-      <dsp:nvSpPr>
-        <dsp:cNvPr id="0" name=""/>
-        <dsp:cNvSpPr/>
-      </dsp:nvSpPr>
-      <dsp:spPr>
-        <a:xfrm>
-          <a:off x="3041446" y="890542"/>
-          <a:ext cx="1870775" cy="1122465"/>
-        </a:xfrm>
-        <a:prstGeom prst="roundRect">
-          <a:avLst>
-            <a:gd name="adj" fmla="val 10000"/>
-          </a:avLst>
-        </a:prstGeom>
-        <a:gradFill rotWithShape="0">
-          <a:gsLst>
-            <a:gs pos="0">
-              <a:schemeClr val="accent6">
-                <a:hueOff val="0"/>
-                <a:satOff val="0"/>
-                <a:lumOff val="0"/>
-                <a:alphaOff val="0"/>
-                <a:satMod val="103000"/>
-                <a:lumMod val="102000"/>
-                <a:tint val="94000"/>
-              </a:schemeClr>
-            </a:gs>
-            <a:gs pos="50000">
-              <a:schemeClr val="accent6">
-                <a:hueOff val="0"/>
-                <a:satOff val="0"/>
-                <a:lumOff val="0"/>
-                <a:alphaOff val="0"/>
-                <a:satMod val="110000"/>
-                <a:lumMod val="100000"/>
-                <a:shade val="100000"/>
-              </a:schemeClr>
-            </a:gs>
-            <a:gs pos="100000">
-              <a:schemeClr val="accent6">
-                <a:hueOff val="0"/>
-                <a:satOff val="0"/>
-                <a:lumOff val="0"/>
-                <a:alphaOff val="0"/>
-                <a:lumMod val="99000"/>
-                <a:satMod val="120000"/>
-                <a:shade val="78000"/>
-              </a:schemeClr>
-            </a:gs>
-          </a:gsLst>
-          <a:lin ang="5400000" scaled="0"/>
-        </a:gradFill>
-        <a:ln>
-          <a:noFill/>
-        </a:ln>
-        <a:effectLst>
-          <a:outerShdw blurRad="57150" dist="19050" dir="5400000" algn="ctr" rotWithShape="0">
-            <a:srgbClr val="000000">
-              <a:alpha val="63000"/>
-            </a:srgbClr>
-          </a:outerShdw>
-        </a:effectLst>
-      </dsp:spPr>
-      <dsp:style>
-        <a:lnRef idx="0">
-          <a:scrgbClr r="0" g="0" b="0"/>
-        </a:lnRef>
-        <a:fillRef idx="3">
-          <a:scrgbClr r="0" g="0" b="0"/>
-        </a:fillRef>
-        <a:effectRef idx="3">
-          <a:scrgbClr r="0" g="0" b="0"/>
-        </a:effectRef>
-        <a:fontRef idx="minor">
-          <a:schemeClr val="lt1"/>
-        </a:fontRef>
-      </dsp:style>
-      <dsp:txBody>
-        <a:bodyPr spcFirstLastPara="0" vert="horz" wrap="square" lIns="57150" tIns="57150" rIns="57150" bIns="57150" numCol="1" spcCol="1270" anchor="ctr" anchorCtr="0">
-          <a:noAutofit/>
-        </a:bodyPr>
-        <a:lstStyle/>
-        <a:p>
-          <a:pPr lvl="0" algn="ctr" defTabSz="666750">
-            <a:lnSpc>
-              <a:spcPct val="90000"/>
-            </a:lnSpc>
-            <a:spcBef>
-              <a:spcPct val="0"/>
-            </a:spcBef>
-            <a:spcAft>
-              <a:spcPct val="35000"/>
-            </a:spcAft>
-          </a:pPr>
-          <a:r>
-            <a:rPr lang="en-US" sz="1500" kern="1200" dirty="0" smtClean="0"/>
-            <a:t>API Controller</a:t>
-          </a:r>
-        </a:p>
-        <a:p>
-          <a:pPr lvl="0" algn="ctr" defTabSz="666750">
-            <a:lnSpc>
-              <a:spcPct val="90000"/>
-            </a:lnSpc>
-            <a:spcBef>
-              <a:spcPct val="0"/>
-            </a:spcBef>
-            <a:spcAft>
-              <a:spcPct val="35000"/>
-            </a:spcAft>
-          </a:pPr>
-          <a:r>
-            <a:rPr lang="en-US" sz="1500" kern="1200" dirty="0" smtClean="0"/>
-            <a:t>Receives Request</a:t>
-          </a:r>
-          <a:endParaRPr lang="en-US" sz="1500" kern="1200" dirty="0"/>
-        </a:p>
-      </dsp:txBody>
-      <dsp:txXfrm>
-        <a:off x="3074322" y="923418"/>
-        <a:ext cx="1805023" cy="1056713"/>
-      </dsp:txXfrm>
-    </dsp:sp>
-    <dsp:sp modelId="{AA7DA251-7101-4C1D-859D-0B6058890E94}">
-      <dsp:nvSpPr>
-        <dsp:cNvPr id="0" name=""/>
-        <dsp:cNvSpPr/>
-      </dsp:nvSpPr>
-      <dsp:spPr>
-        <a:xfrm rot="5395903">
-          <a:off x="3683511" y="1195350"/>
-          <a:ext cx="586588" cy="463952"/>
-        </a:xfrm>
-        <a:prstGeom prst="rightArrow">
-          <a:avLst>
-            <a:gd name="adj1" fmla="val 60000"/>
-            <a:gd name="adj2" fmla="val 50000"/>
-          </a:avLst>
-        </a:prstGeom>
-        <a:gradFill rotWithShape="0">
-          <a:gsLst>
-            <a:gs pos="0">
-              <a:schemeClr val="accent6">
-                <a:tint val="60000"/>
-                <a:hueOff val="0"/>
-                <a:satOff val="0"/>
-                <a:lumOff val="0"/>
-                <a:alphaOff val="0"/>
-                <a:satMod val="103000"/>
-                <a:lumMod val="102000"/>
-                <a:tint val="94000"/>
-              </a:schemeClr>
-            </a:gs>
-            <a:gs pos="50000">
-              <a:schemeClr val="accent6">
-                <a:tint val="60000"/>
-                <a:hueOff val="0"/>
-                <a:satOff val="0"/>
-                <a:lumOff val="0"/>
-                <a:alphaOff val="0"/>
-                <a:satMod val="110000"/>
-                <a:lumMod val="100000"/>
-                <a:shade val="100000"/>
-              </a:schemeClr>
-            </a:gs>
-            <a:gs pos="100000">
-              <a:schemeClr val="accent6">
-                <a:tint val="60000"/>
-                <a:hueOff val="0"/>
-                <a:satOff val="0"/>
-                <a:lumOff val="0"/>
-                <a:alphaOff val="0"/>
-                <a:lumMod val="99000"/>
-                <a:satMod val="120000"/>
-                <a:shade val="78000"/>
-              </a:schemeClr>
-            </a:gs>
-          </a:gsLst>
-          <a:lin ang="5400000" scaled="0"/>
-        </a:gradFill>
-        <a:ln>
-          <a:noFill/>
-        </a:ln>
-        <a:effectLst>
-          <a:outerShdw blurRad="57150" dist="19050" dir="5400000" algn="ctr" rotWithShape="0">
-            <a:srgbClr val="000000">
-              <a:alpha val="63000"/>
-            </a:srgbClr>
-          </a:outerShdw>
-        </a:effectLst>
-      </dsp:spPr>
-      <dsp:style>
-        <a:lnRef idx="0">
-          <a:scrgbClr r="0" g="0" b="0"/>
-        </a:lnRef>
-        <a:fillRef idx="3">
-          <a:scrgbClr r="0" g="0" b="0"/>
-        </a:fillRef>
-        <a:effectRef idx="3">
-          <a:scrgbClr r="0" g="0" b="0"/>
-        </a:effectRef>
-        <a:fontRef idx="minor">
-          <a:schemeClr val="lt1"/>
-        </a:fontRef>
-      </dsp:style>
-      <dsp:txBody>
-        <a:bodyPr spcFirstLastPara="0" vert="horz" wrap="square" lIns="0" tIns="0" rIns="0" bIns="0" numCol="1" spcCol="1270" anchor="ctr" anchorCtr="0">
-          <a:noAutofit/>
-        </a:bodyPr>
-        <a:lstStyle/>
-        <a:p>
-          <a:pPr lvl="0" algn="ctr" defTabSz="533400">
-            <a:lnSpc>
-              <a:spcPct val="90000"/>
-            </a:lnSpc>
-            <a:spcBef>
-              <a:spcPct val="0"/>
-            </a:spcBef>
-            <a:spcAft>
-              <a:spcPct val="35000"/>
-            </a:spcAft>
-          </a:pPr>
-          <a:endParaRPr lang="en-US" sz="1200" kern="1200"/>
-        </a:p>
-      </dsp:txBody>
-      <dsp:txXfrm rot="-5400000">
-        <a:off x="3837536" y="1134032"/>
-        <a:ext cx="278372" cy="447402"/>
-      </dsp:txXfrm>
-    </dsp:sp>
-    <dsp:sp modelId="{544194A6-5B9D-4D2D-8D30-20A2AD02A23D}">
-      <dsp:nvSpPr>
-        <dsp:cNvPr id="0" name=""/>
-        <dsp:cNvSpPr/>
-      </dsp:nvSpPr>
-      <dsp:spPr>
-        <a:xfrm>
-          <a:off x="3041428" y="874847"/>
-          <a:ext cx="1870775" cy="1122465"/>
-        </a:xfrm>
-        <a:prstGeom prst="roundRect">
-          <a:avLst>
-            <a:gd name="adj" fmla="val 10000"/>
-          </a:avLst>
-        </a:prstGeom>
-        <a:gradFill rotWithShape="0">
-          <a:gsLst>
-            <a:gs pos="0">
-              <a:schemeClr val="accent6">
-                <a:hueOff val="0"/>
-                <a:satOff val="0"/>
-                <a:lumOff val="0"/>
-                <a:alphaOff val="0"/>
-                <a:satMod val="103000"/>
-                <a:lumMod val="102000"/>
-                <a:tint val="94000"/>
-              </a:schemeClr>
-            </a:gs>
-            <a:gs pos="50000">
-              <a:schemeClr val="accent6">
-                <a:hueOff val="0"/>
-                <a:satOff val="0"/>
-                <a:lumOff val="0"/>
-                <a:alphaOff val="0"/>
-                <a:satMod val="110000"/>
-                <a:lumMod val="100000"/>
-                <a:shade val="100000"/>
-              </a:schemeClr>
-            </a:gs>
-            <a:gs pos="100000">
-              <a:schemeClr val="accent6">
-                <a:hueOff val="0"/>
-                <a:satOff val="0"/>
-                <a:lumOff val="0"/>
-                <a:alphaOff val="0"/>
-                <a:lumMod val="99000"/>
-                <a:satMod val="120000"/>
-                <a:shade val="78000"/>
-              </a:schemeClr>
-            </a:gs>
-          </a:gsLst>
-          <a:lin ang="5400000" scaled="0"/>
-        </a:gradFill>
-        <a:ln>
-          <a:noFill/>
-        </a:ln>
-        <a:effectLst>
-          <a:outerShdw blurRad="57150" dist="19050" dir="5400000" algn="ctr" rotWithShape="0">
-            <a:srgbClr val="000000">
-              <a:alpha val="63000"/>
-            </a:srgbClr>
-          </a:outerShdw>
-        </a:effectLst>
-      </dsp:spPr>
-      <dsp:style>
-        <a:lnRef idx="0">
-          <a:scrgbClr r="0" g="0" b="0"/>
-        </a:lnRef>
-        <a:fillRef idx="3">
-          <a:scrgbClr r="0" g="0" b="0"/>
-        </a:fillRef>
-        <a:effectRef idx="3">
-          <a:scrgbClr r="0" g="0" b="0"/>
-        </a:effectRef>
-        <a:fontRef idx="minor">
-          <a:schemeClr val="lt1"/>
-        </a:fontRef>
-      </dsp:style>
-      <dsp:txBody>
-        <a:bodyPr spcFirstLastPara="0" vert="horz" wrap="square" lIns="57150" tIns="57150" rIns="57150" bIns="57150" numCol="1" spcCol="1270" anchor="ctr" anchorCtr="0">
-          <a:noAutofit/>
-        </a:bodyPr>
-        <a:lstStyle/>
-        <a:p>
-          <a:pPr lvl="0" algn="ctr" defTabSz="666750">
-            <a:lnSpc>
-              <a:spcPct val="90000"/>
-            </a:lnSpc>
-            <a:spcBef>
-              <a:spcPct val="0"/>
-            </a:spcBef>
-            <a:spcAft>
-              <a:spcPct val="35000"/>
-            </a:spcAft>
-          </a:pPr>
-          <a:r>
-            <a:rPr lang="en-US" sz="1500" kern="1200" dirty="0" smtClean="0"/>
-            <a:t>API Controller</a:t>
-          </a:r>
-        </a:p>
-        <a:p>
-          <a:pPr lvl="0" algn="ctr" defTabSz="666750">
-            <a:lnSpc>
-              <a:spcPct val="90000"/>
-            </a:lnSpc>
-            <a:spcBef>
-              <a:spcPct val="0"/>
-            </a:spcBef>
-            <a:spcAft>
-              <a:spcPct val="35000"/>
-            </a:spcAft>
-          </a:pPr>
-          <a:r>
-            <a:rPr lang="en-US" sz="1500" kern="1200" dirty="0" smtClean="0"/>
-            <a:t>Retrieves Data (SLOW, error prone)</a:t>
-          </a:r>
-          <a:endParaRPr lang="en-US" sz="1500" kern="1200" dirty="0"/>
-        </a:p>
-      </dsp:txBody>
-      <dsp:txXfrm>
-        <a:off x="3074304" y="907723"/>
-        <a:ext cx="1805023" cy="1056713"/>
-      </dsp:txXfrm>
-    </dsp:sp>
-    <dsp:sp modelId="{DF64C6CE-26B2-4F45-9725-C55694AE2AD7}">
-      <dsp:nvSpPr>
-        <dsp:cNvPr id="0" name=""/>
-        <dsp:cNvSpPr/>
-      </dsp:nvSpPr>
-      <dsp:spPr>
-        <a:xfrm rot="9546228">
-          <a:off x="2472575" y="1698257"/>
-          <a:ext cx="419845" cy="463952"/>
-        </a:xfrm>
-        <a:prstGeom prst="rightArrow">
-          <a:avLst>
-            <a:gd name="adj1" fmla="val 60000"/>
-            <a:gd name="adj2" fmla="val 50000"/>
-          </a:avLst>
-        </a:prstGeom>
-        <a:gradFill rotWithShape="0">
-          <a:gsLst>
-            <a:gs pos="0">
-              <a:schemeClr val="accent6">
-                <a:tint val="60000"/>
-                <a:hueOff val="0"/>
-                <a:satOff val="0"/>
-                <a:lumOff val="0"/>
-                <a:alphaOff val="0"/>
-                <a:satMod val="103000"/>
-                <a:lumMod val="102000"/>
-                <a:tint val="94000"/>
-              </a:schemeClr>
-            </a:gs>
-            <a:gs pos="50000">
-              <a:schemeClr val="accent6">
-                <a:tint val="60000"/>
-                <a:hueOff val="0"/>
-                <a:satOff val="0"/>
-                <a:lumOff val="0"/>
-                <a:alphaOff val="0"/>
-                <a:satMod val="110000"/>
-                <a:lumMod val="100000"/>
-                <a:shade val="100000"/>
-              </a:schemeClr>
-            </a:gs>
-            <a:gs pos="100000">
-              <a:schemeClr val="accent6">
-                <a:tint val="60000"/>
-                <a:hueOff val="0"/>
-                <a:satOff val="0"/>
-                <a:lumOff val="0"/>
-                <a:alphaOff val="0"/>
-                <a:lumMod val="99000"/>
-                <a:satMod val="120000"/>
-                <a:shade val="78000"/>
-              </a:schemeClr>
-            </a:gs>
-          </a:gsLst>
-          <a:lin ang="5400000" scaled="0"/>
-        </a:gradFill>
-        <a:ln>
-          <a:noFill/>
-        </a:ln>
-        <a:effectLst>
-          <a:outerShdw blurRad="57150" dist="19050" dir="5400000" algn="ctr" rotWithShape="0">
-            <a:srgbClr val="000000">
-              <a:alpha val="63000"/>
-            </a:srgbClr>
-          </a:outerShdw>
-        </a:effectLst>
-      </dsp:spPr>
-      <dsp:style>
-        <a:lnRef idx="0">
-          <a:scrgbClr r="0" g="0" b="0"/>
-        </a:lnRef>
-        <a:fillRef idx="3">
-          <a:scrgbClr r="0" g="0" b="0"/>
-        </a:fillRef>
-        <a:effectRef idx="3">
-          <a:scrgbClr r="0" g="0" b="0"/>
-        </a:effectRef>
-        <a:fontRef idx="minor">
-          <a:schemeClr val="lt1"/>
-        </a:fontRef>
-      </dsp:style>
-      <dsp:txBody>
-        <a:bodyPr spcFirstLastPara="0" vert="horz" wrap="square" lIns="0" tIns="0" rIns="0" bIns="0" numCol="1" spcCol="1270" anchor="ctr" anchorCtr="0">
-          <a:noAutofit/>
-        </a:bodyPr>
-        <a:lstStyle/>
-        <a:p>
-          <a:pPr lvl="0" algn="ctr" defTabSz="533400">
-            <a:lnSpc>
-              <a:spcPct val="90000"/>
-            </a:lnSpc>
-            <a:spcBef>
-              <a:spcPct val="0"/>
-            </a:spcBef>
-            <a:spcAft>
-              <a:spcPct val="35000"/>
-            </a:spcAft>
-          </a:pPr>
-          <a:endParaRPr lang="en-US" sz="1200" kern="1200"/>
-        </a:p>
-      </dsp:txBody>
-      <dsp:txXfrm rot="10800000">
-        <a:off x="2594386" y="1768585"/>
-        <a:ext cx="293892" cy="278372"/>
-      </dsp:txXfrm>
-    </dsp:sp>
-    <dsp:sp modelId="{45FA9F2E-AE8A-4139-AEFC-A9D16C16F2F9}">
-      <dsp:nvSpPr>
-        <dsp:cNvPr id="0" name=""/>
-        <dsp:cNvSpPr/>
-      </dsp:nvSpPr>
-      <dsp:spPr>
-        <a:xfrm>
-          <a:off x="430591" y="1871630"/>
-          <a:ext cx="1870775" cy="1122465"/>
-        </a:xfrm>
-        <a:prstGeom prst="roundRect">
-          <a:avLst>
-            <a:gd name="adj" fmla="val 10000"/>
-          </a:avLst>
-        </a:prstGeom>
-        <a:gradFill rotWithShape="0">
-          <a:gsLst>
-            <a:gs pos="0">
-              <a:schemeClr val="accent6">
-                <a:hueOff val="0"/>
-                <a:satOff val="0"/>
-                <a:lumOff val="0"/>
-                <a:alphaOff val="0"/>
-                <a:satMod val="103000"/>
-                <a:lumMod val="102000"/>
-                <a:tint val="94000"/>
-              </a:schemeClr>
-            </a:gs>
-            <a:gs pos="50000">
-              <a:schemeClr val="accent6">
-                <a:hueOff val="0"/>
-                <a:satOff val="0"/>
-                <a:lumOff val="0"/>
-                <a:alphaOff val="0"/>
-                <a:satMod val="110000"/>
-                <a:lumMod val="100000"/>
-                <a:shade val="100000"/>
-              </a:schemeClr>
-            </a:gs>
-            <a:gs pos="100000">
-              <a:schemeClr val="accent6">
-                <a:hueOff val="0"/>
-                <a:satOff val="0"/>
-                <a:lumOff val="0"/>
-                <a:alphaOff val="0"/>
-                <a:lumMod val="99000"/>
-                <a:satMod val="120000"/>
-                <a:shade val="78000"/>
-              </a:schemeClr>
-            </a:gs>
-          </a:gsLst>
-          <a:lin ang="5400000" scaled="0"/>
-        </a:gradFill>
-        <a:ln>
-          <a:noFill/>
-        </a:ln>
-        <a:effectLst>
-          <a:outerShdw blurRad="57150" dist="19050" dir="5400000" algn="ctr" rotWithShape="0">
-            <a:srgbClr val="000000">
-              <a:alpha val="63000"/>
-            </a:srgbClr>
-          </a:outerShdw>
-        </a:effectLst>
-      </dsp:spPr>
-      <dsp:style>
-        <a:lnRef idx="0">
-          <a:scrgbClr r="0" g="0" b="0"/>
-        </a:lnRef>
-        <a:fillRef idx="3">
-          <a:scrgbClr r="0" g="0" b="0"/>
-        </a:fillRef>
-        <a:effectRef idx="3">
-          <a:scrgbClr r="0" g="0" b="0"/>
-        </a:effectRef>
-        <a:fontRef idx="minor">
-          <a:schemeClr val="lt1"/>
-        </a:fontRef>
-      </dsp:style>
-      <dsp:txBody>
-        <a:bodyPr spcFirstLastPara="0" vert="horz" wrap="square" lIns="57150" tIns="57150" rIns="57150" bIns="57150" numCol="1" spcCol="1270" anchor="ctr" anchorCtr="0">
-          <a:noAutofit/>
-        </a:bodyPr>
-        <a:lstStyle/>
-        <a:p>
-          <a:pPr lvl="0" algn="ctr" defTabSz="666750">
-            <a:lnSpc>
-              <a:spcPct val="90000"/>
-            </a:lnSpc>
-            <a:spcBef>
-              <a:spcPct val="0"/>
-            </a:spcBef>
-            <a:spcAft>
-              <a:spcPct val="35000"/>
-            </a:spcAft>
-          </a:pPr>
-          <a:r>
-            <a:rPr lang="en-US" sz="1500" kern="1200" dirty="0" err="1" smtClean="0"/>
-            <a:t>AngularJS</a:t>
-          </a:r>
-          <a:r>
-            <a:rPr lang="en-US" sz="1500" kern="1200" dirty="0" smtClean="0"/>
-            <a:t> Updates HTML</a:t>
-          </a:r>
-          <a:endParaRPr lang="en-US" sz="1500" kern="1200" dirty="0"/>
-        </a:p>
-      </dsp:txBody>
-      <dsp:txXfrm>
-        <a:off x="463467" y="1904506"/>
-        <a:ext cx="1805023" cy="1056713"/>
-      </dsp:txXfrm>
-    </dsp:sp>
   </dsp:spTree>
 </dsp:drawing>
 </file>
@@ -19651,6 +15655,49 @@
           <a:bodyPr/>
           <a:lstStyle/>
           <a:p>
+            <a:pPr marL="228600" indent="-228600">
+              <a:buAutoNum type="arabicPeriod"/>
+            </a:pPr>
+            <a:r>
+              <a:rPr lang="en-US" dirty="0" smtClean="0"/>
+              <a:t>Introduce</a:t>
+            </a:r>
+            <a:r>
+              <a:rPr lang="en-US" baseline="0" dirty="0" smtClean="0"/>
+              <a:t> the site</a:t>
+            </a:r>
+          </a:p>
+          <a:p>
+            <a:pPr marL="228600" indent="-228600">
+              <a:buAutoNum type="arabicPeriod"/>
+            </a:pPr>
+            <a:r>
+              <a:rPr lang="en-US" baseline="0" dirty="0" err="1" smtClean="0"/>
+              <a:t>ProductMvcController</a:t>
+            </a:r>
+            <a:endParaRPr lang="en-US" baseline="0" dirty="0" smtClean="0"/>
+          </a:p>
+          <a:p>
+            <a:pPr marL="228600" indent="-228600">
+              <a:buAutoNum type="arabicPeriod"/>
+            </a:pPr>
+            <a:r>
+              <a:rPr lang="en-US" baseline="0" dirty="0" smtClean="0"/>
+              <a:t>Demo [Authorize]</a:t>
+            </a:r>
+          </a:p>
+          <a:p>
+            <a:pPr marL="228600" indent="-228600">
+              <a:buAutoNum type="arabicPeriod"/>
+            </a:pPr>
+            <a:r>
+              <a:rPr lang="en-US" baseline="0" dirty="0" err="1" smtClean="0"/>
+              <a:t>ProductMvc</a:t>
+            </a:r>
+            <a:r>
+              <a:rPr lang="en-US" baseline="0" dirty="0" smtClean="0"/>
+              <a:t> Views (Index and Detail)</a:t>
+            </a:r>
             <a:endParaRPr lang="en-US" dirty="0"/>
           </a:p>
         </p:txBody>
@@ -19672,6 +15719,90 @@
           <a:p>
             <a:fld id="{46455486-CBFA-4E74-AE57-D8AE82C43437}" type="slidenum">
               <a:rPr lang="en-US" smtClean="0"/>
+              <a:t>9</a:t>
+            </a:fld>
+            <a:endParaRPr lang="en-US"/>
+          </a:p>
+        </p:txBody>
+      </p:sp>
+    </p:spTree>
+    <p:extLst>
+      <p:ext uri="{BB962C8B-B14F-4D97-AF65-F5344CB8AC3E}">
+        <p14:creationId xmlns:p14="http://schemas.microsoft.com/office/powerpoint/2010/main" val="1534065386"/>
+      </p:ext>
+    </p:extLst>
+  </p:cSld>
+  <p:clrMapOvr>
+    <a:masterClrMapping/>
+  </p:clrMapOvr>
+</p:notes>
+</file>
+
+<file path=ppt/notesSlides/notesSlide2.xml><?xml version="1.0" encoding="utf-8"?>
+<p:notes xmlns:a="http://schemas.openxmlformats.org/drawingml/2006/main" xmlns:r="http://schemas.openxmlformats.org/officeDocument/2006/relationships" xmlns:p="http://schemas.openxmlformats.org/presentationml/2006/main">
+  <p:cSld>
+    <p:spTree>
+      <p:nvGrpSpPr>
+        <p:cNvPr id="1" name=""/>
+        <p:cNvGrpSpPr/>
+        <p:nvPr/>
+      </p:nvGrpSpPr>
+      <p:grpSpPr>
+        <a:xfrm>
+          <a:off x="0" y="0"/>
+          <a:ext cx="0" cy="0"/>
+          <a:chOff x="0" y="0"/>
+          <a:chExt cx="0" cy="0"/>
+        </a:xfrm>
+      </p:grpSpPr>
+      <p:sp>
+        <p:nvSpPr>
+          <p:cNvPr id="2" name="Slide Image Placeholder 1"/>
+          <p:cNvSpPr>
+            <a:spLocks noGrp="1" noRot="1" noChangeAspect="1"/>
+          </p:cNvSpPr>
+          <p:nvPr>
+            <p:ph type="sldImg"/>
+          </p:nvPr>
+        </p:nvSpPr>
+        <p:spPr/>
+      </p:sp>
+      <p:sp>
+        <p:nvSpPr>
+          <p:cNvPr id="3" name="Notes Placeholder 2"/>
+          <p:cNvSpPr>
+            <a:spLocks noGrp="1"/>
+          </p:cNvSpPr>
+          <p:nvPr>
+            <p:ph type="body" idx="1"/>
+          </p:nvPr>
+        </p:nvSpPr>
+        <p:spPr/>
+        <p:txBody>
+          <a:bodyPr/>
+          <a:lstStyle/>
+          <a:p>
+            <a:endParaRPr lang="en-US" dirty="0"/>
+          </a:p>
+        </p:txBody>
+      </p:sp>
+      <p:sp>
+        <p:nvSpPr>
+          <p:cNvPr id="4" name="Slide Number Placeholder 3"/>
+          <p:cNvSpPr>
+            <a:spLocks noGrp="1"/>
+          </p:cNvSpPr>
+          <p:nvPr>
+            <p:ph type="sldNum" sz="quarter" idx="10"/>
+          </p:nvPr>
+        </p:nvSpPr>
+        <p:spPr/>
+        <p:txBody>
+          <a:bodyPr/>
+          <a:lstStyle/>
+          <a:p>
+            <a:fld id="{46455486-CBFA-4E74-AE57-D8AE82C43437}" type="slidenum">
+              <a:rPr lang="en-US" smtClean="0"/>
               <a:t>13</a:t>
             </a:fld>
             <a:endParaRPr lang="en-US"/>
@@ -19691,7 +15822,7 @@
 </p:notes>
 </file>
 
-<file path=ppt/notesSlides/notesSlide2.xml><?xml version="1.0" encoding="utf-8"?>
+<file path=ppt/notesSlides/notesSlide3.xml><?xml version="1.0" encoding="utf-8"?>
 <p:notes xmlns:a="http://schemas.openxmlformats.org/drawingml/2006/main" xmlns:r="http://schemas.openxmlformats.org/officeDocument/2006/relationships" xmlns:p="http://schemas.openxmlformats.org/presentationml/2006/main">
   <p:cSld>
     <p:spTree>
@@ -25569,11 +21700,7 @@
             <a:pPr fontAlgn="base"/>
             <a:r>
               <a:rPr lang="en-US" dirty="0" smtClean="0"/>
-              <a:t>Only manipulate your $</a:t>
-            </a:r>
-            <a:r>
-              <a:rPr lang="en-US" dirty="0" smtClean="0"/>
-              <a:t>scope</a:t>
+              <a:t>Only manipulate your $scope</a:t>
             </a:r>
           </a:p>
           <a:p>
@@ -25582,17 +21709,12 @@
               <a:rPr lang="en-US" dirty="0" smtClean="0"/>
               <a:t>Write testable code by using services.</a:t>
             </a:r>
-            <a:endParaRPr lang="en-US" dirty="0" smtClean="0"/>
           </a:p>
           <a:p>
             <a:pPr fontAlgn="base"/>
             <a:r>
               <a:rPr lang="en-US" dirty="0" smtClean="0"/>
-              <a:t>Maintain </a:t>
-            </a:r>
-            <a:r>
-              <a:rPr lang="en-US" dirty="0" smtClean="0"/>
-              <a:t>state in </a:t>
+              <a:t>Maintain state in </a:t>
             </a:r>
             <a:r>
               <a:rPr lang="en-US" dirty="0" err="1" smtClean="0"/>
@@ -26038,11 +22160,8 @@
           <a:p>
             <a:r>
               <a:rPr lang="en-US" sz="2400" dirty="0" smtClean="0"/>
-              <a:t>Server Model</a:t>
-            </a:r>
-          </a:p>
-          <a:p>
-            <a:endParaRPr lang="en-US" sz="2400" dirty="0" smtClean="0"/>
+              <a:t>Server Model (ASP.NET MVC w/ Razor)</a:t>
+            </a:r>
           </a:p>
           <a:p>
             <a:pPr marL="285750" indent="-285750">
@@ -26051,11 +22170,7 @@
             </a:pPr>
             <a:r>
               <a:rPr lang="en-US" sz="2400" dirty="0" smtClean="0"/>
-              <a:t>Model </a:t>
-            </a:r>
-            <a:r>
-              <a:rPr lang="en-US" sz="2400" dirty="0" smtClean="0"/>
-              <a:t>and View are used once – On Page Load</a:t>
+              <a:t>Model (C#) and View (Razor) are processed to create HTML</a:t>
             </a:r>
           </a:p>
           <a:p>
@@ -26092,7 +22207,7 @@
             </a:pPr>
             <a:r>
               <a:rPr lang="en-US" sz="2400" dirty="0" smtClean="0"/>
-              <a:t>Changes require a new server request.</a:t>
+              <a:t>Manipulate the DOM to update HTML (jQuery)</a:t>
             </a:r>
           </a:p>
           <a:p>
@@ -26101,12 +22216,30 @@
               <a:buChar char="•"/>
             </a:pPr>
             <a:r>
+              <a:rPr lang="en-US" sz="2400" dirty="0" err="1" smtClean="0"/>
+              <a:t>jQuery.ajax</a:t>
+            </a:r>
+            <a:r>
               <a:rPr lang="en-US" sz="2400" dirty="0" smtClean="0"/>
-              <a:t>Or manipulate the DOM (jQuery</a:t>
+              <a:t>() for </a:t>
+            </a:r>
+            <a:r>
+              <a:rPr lang="en-US" sz="2400" dirty="0" err="1" smtClean="0"/>
+              <a:t>async</a:t>
             </a:r>
             <a:r>
               <a:rPr lang="en-US" sz="2400" dirty="0" smtClean="0"/>
-              <a:t>)</a:t>
+              <a:t> server communications.</a:t>
+            </a:r>
+          </a:p>
+          <a:p>
+            <a:pPr marL="285750" indent="-285750">
+              <a:buFont typeface="Arial" panose="020B0604020202020204" pitchFamily="34" charset="0"/>
+              <a:buChar char="•"/>
+            </a:pPr>
+            <a:r>
+              <a:rPr lang="en-US" sz="2400" dirty="0" smtClean="0"/>
+              <a:t>Razor and JavaScript code mixed concern (both change the HTML).</a:t>
             </a:r>
           </a:p>
           <a:p>
@@ -26119,10 +22252,16 @@
           <a:p>
             <a:r>
               <a:rPr lang="en-US" sz="2400" dirty="0" smtClean="0"/>
-              <a:t>Client Model</a:t>
-            </a:r>
-          </a:p>
-          <a:p>
+              <a:t>Client Model (ASP.NET MVC w/ </a:t>
+            </a:r>
+            <a:r>
+              <a:rPr lang="en-US" sz="2400" dirty="0" err="1" smtClean="0"/>
+              <a:t>AngularJS</a:t>
+            </a:r>
+            <a:r>
+              <a:rPr lang="en-US" sz="2400" dirty="0" smtClean="0"/>
+              <a:t>)</a:t>
+            </a:r>
             <a:endParaRPr lang="en-US" sz="2400" dirty="0"/>
           </a:p>
           <a:p>
@@ -26132,11 +22271,19 @@
             </a:pPr>
             <a:r>
               <a:rPr lang="en-US" sz="2400" dirty="0"/>
-              <a:t>Server Model transferred to Client </a:t>
+              <a:t>Server Model </a:t>
             </a:r>
             <a:r>
               <a:rPr lang="en-US" sz="2400" dirty="0" smtClean="0"/>
-              <a:t>Model.</a:t>
+              <a:t>(C#) transferred </a:t>
+            </a:r>
+            <a:r>
+              <a:rPr lang="en-US" sz="2400" dirty="0"/>
+              <a:t>to Client </a:t>
+            </a:r>
+            <a:r>
+              <a:rPr lang="en-US" sz="2400" dirty="0" smtClean="0"/>
+              <a:t>Model (JavaScript).</a:t>
             </a:r>
             <a:endParaRPr lang="en-US" sz="2400" dirty="0"/>
           </a:p>
@@ -26147,8 +22294,13 @@
             </a:pPr>
             <a:r>
               <a:rPr lang="en-US" sz="2400" dirty="0"/>
-              <a:t>Model “lives” in client.</a:t>
-            </a:r>
+              <a:t>Model “lives” in </a:t>
+            </a:r>
+            <a:r>
+              <a:rPr lang="en-US" sz="2400" dirty="0" smtClean="0"/>
+              <a:t>client ($scope).</a:t>
+            </a:r>
+            <a:endParaRPr lang="en-US" sz="2400" dirty="0"/>
           </a:p>
           <a:p>
             <a:pPr marL="285750" indent="-285750">
@@ -26157,7 +22309,15 @@
             </a:pPr>
             <a:r>
               <a:rPr lang="en-US" sz="2400" dirty="0"/>
-              <a:t>Modify values on $scope (html updates client-side)</a:t>
+              <a:t>Modify values on $scope </a:t>
+            </a:r>
+            <a:r>
+              <a:rPr lang="en-US" sz="2400" dirty="0" smtClean="0"/>
+              <a:t>(HTML </a:t>
+            </a:r>
+            <a:r>
+              <a:rPr lang="en-US" sz="2400" dirty="0"/>
+              <a:t>updates client-side)</a:t>
             </a:r>
           </a:p>
           <a:p>
@@ -26184,6 +22344,16 @@
             <a:r>
               <a:rPr lang="en-US" sz="2400" dirty="0" smtClean="0"/>
               <a:t>.</a:t>
+            </a:r>
+          </a:p>
+          <a:p>
+            <a:pPr marL="285750" indent="-285750">
+              <a:buFont typeface="Arial" panose="020B0604020202020204" pitchFamily="34" charset="0"/>
+              <a:buChar char="•"/>
+            </a:pPr>
+            <a:r>
+              <a:rPr lang="en-US" sz="2400" dirty="0" smtClean="0"/>
+              <a:t>Always working with the $scope for building/modifying HTML.</a:t>
             </a:r>
             <a:endParaRPr lang="en-US" sz="2400" dirty="0"/>
           </a:p>
@@ -26235,7 +22405,7 @@
                                         <p:tgtEl>
                                           <p:spTgt spid="5">
                                             <p:txEl>
-                                              <p:pRg st="2" end="2"/>
+                                              <p:pRg st="1" end="1"/>
                                             </p:txEl>
                                           </p:spTgt>
                                         </p:tgtEl>
@@ -26284,7 +22454,7 @@
                                         <p:tgtEl>
                                           <p:spTgt spid="5">
                                             <p:txEl>
-                                              <p:pRg st="0" end="0"/>
+                                              <p:pRg st="8" end="8"/>
                                             </p:txEl>
                                           </p:spTgt>
                                         </p:tgtEl>
@@ -26333,7 +22503,7 @@
                                         <p:tgtEl>
                                           <p:spTgt spid="5">
                                             <p:txEl>
-                                              <p:pRg st="3" end="3"/>
+                                              <p:pRg st="2" end="2"/>
                                             </p:txEl>
                                           </p:spTgt>
                                         </p:tgtEl>
@@ -26382,7 +22552,7 @@
                                         <p:tgtEl>
                                           <p:spTgt spid="5">
                                             <p:txEl>
-                                              <p:pRg st="4" end="4"/>
+                                              <p:pRg st="9" end="9"/>
                                             </p:txEl>
                                           </p:spTgt>
                                         </p:tgtEl>
@@ -26431,7 +22601,7 @@
                                         <p:tgtEl>
                                           <p:spTgt spid="5">
                                             <p:txEl>
-                                              <p:pRg st="5" end="5"/>
+                                              <p:pRg st="3" end="3"/>
                                             </p:txEl>
                                           </p:spTgt>
                                         </p:tgtEl>
@@ -26480,7 +22650,7 @@
                                         <p:tgtEl>
                                           <p:spTgt spid="5">
                                             <p:txEl>
-                                              <p:pRg st="7" end="7"/>
+                                              <p:pRg st="10" end="10"/>
                                             </p:txEl>
                                           </p:spTgt>
                                         </p:tgtEl>
@@ -26529,7 +22699,7 @@
                                         <p:tgtEl>
                                           <p:spTgt spid="5">
                                             <p:txEl>
-                                              <p:pRg st="9" end="9"/>
+                                              <p:pRg st="4" end="4"/>
                                             </p:txEl>
                                           </p:spTgt>
                                         </p:tgtEl>
@@ -26578,7 +22748,7 @@
                                         <p:tgtEl>
                                           <p:spTgt spid="5">
                                             <p:txEl>
-                                              <p:pRg st="10" end="10"/>
+                                              <p:pRg st="11" end="11"/>
                                             </p:txEl>
                                           </p:spTgt>
                                         </p:tgtEl>
@@ -26627,7 +22797,7 @@
                                         <p:tgtEl>
                                           <p:spTgt spid="5">
                                             <p:txEl>
-                                              <p:pRg st="11" end="11"/>
+                                              <p:pRg st="5" end="5"/>
                                             </p:txEl>
                                           </p:spTgt>
                                         </p:tgtEl>
@@ -27461,11 +23631,7 @@
             </a:pPr>
             <a:r>
               <a:rPr lang="en-US" dirty="0" smtClean="0"/>
-              <a:t>CODE </a:t>
-            </a:r>
-            <a:r>
-              <a:rPr lang="en-US" dirty="0" smtClean="0"/>
-              <a:t>DEMO</a:t>
+              <a:t>CODE DEMO</a:t>
             </a:r>
           </a:p>
           <a:p>
@@ -27490,7 +23656,6 @@
               <a:rPr lang="en-US" dirty="0" smtClean="0"/>
               <a:t>Dynamic image selection</a:t>
             </a:r>
-            <a:endParaRPr lang="en-US" dirty="0" smtClean="0"/>
           </a:p>
           <a:p>
             <a:endParaRPr lang="en-US" dirty="0"/>
@@ -27507,6 +23672,13 @@
   <p:clrMapOvr>
     <a:masterClrMapping/>
   </p:clrMapOvr>
+  <p:timing>
+    <p:tnLst>
+      <p:par>
+        <p:cTn id="1" dur="indefinite" restart="never" nodeType="tmRoot"/>
+      </p:par>
+    </p:tnLst>
+  </p:timing>
 </p:sld>
 </file>
 
@@ -27835,11 +24007,7 @@
             <a:pPr lvl="1"/>
             <a:r>
               <a:rPr lang="en-US" dirty="0" smtClean="0"/>
-              <a:t>It’s just </a:t>
-            </a:r>
-            <a:r>
-              <a:rPr lang="en-US" dirty="0" smtClean="0"/>
-              <a:t>HTML</a:t>
+              <a:t>It’s just HTML</a:t>
             </a:r>
           </a:p>
           <a:p>
@@ -27848,7 +24016,6 @@
               <a:rPr lang="en-US" dirty="0" smtClean="0"/>
               <a:t>Easy team handoff.</a:t>
             </a:r>
-            <a:endParaRPr lang="en-US" dirty="0" smtClean="0"/>
           </a:p>
         </p:txBody>
       </p:sp>
@@ -28352,15 +24519,33 @@
                                   </p:childTnLst>
                                 </p:cTn>
                               </p:par>
+                            </p:childTnLst>
+                          </p:cTn>
+                        </p:par>
+                      </p:childTnLst>
+                    </p:cTn>
+                  </p:par>
+                  <p:par>
+                    <p:cTn id="43" fill="hold">
+                      <p:stCondLst>
+                        <p:cond delay="indefinite"/>
+                      </p:stCondLst>
+                      <p:childTnLst>
+                        <p:par>
+                          <p:cTn id="44" fill="hold">
+                            <p:stCondLst>
+                              <p:cond delay="0"/>
+                            </p:stCondLst>
+                            <p:childTnLst>
                               <p:par>
-                                <p:cTn id="43" presetID="10" presetClass="entr" presetSubtype="0" fill="hold" grpId="0" nodeType="withEffect">
+                                <p:cTn id="45" presetID="10" presetClass="entr" presetSubtype="0" fill="hold" grpId="0" nodeType="clickEffect">
                                   <p:stCondLst>
                                     <p:cond delay="0"/>
                                   </p:stCondLst>
                                   <p:childTnLst>
                                     <p:set>
                                       <p:cBhvr>
-                                        <p:cTn id="44" dur="1" fill="hold">
+                                        <p:cTn id="46" dur="1" fill="hold">
                                           <p:stCondLst>
                                             <p:cond delay="0"/>
                                           </p:stCondLst>
@@ -28382,7 +24567,7 @@
                                     </p:set>
                                     <p:animEffect transition="in" filter="fade">
                                       <p:cBhvr>
-                                        <p:cTn id="45" dur="500"/>
+                                        <p:cTn id="47" dur="500"/>
                                         <p:tgtEl>
                                           <p:spTgt spid="3">
                                             <p:txEl>
@@ -29208,11 +25393,7 @@
           <a:p>
             <a:r>
               <a:rPr lang="en-US" dirty="0" smtClean="0"/>
-              <a:t>Products-</a:t>
-            </a:r>
-            <a:r>
-              <a:rPr lang="en-US" dirty="0" err="1" smtClean="0"/>
-              <a:t>AngularJS</a:t>
+              <a:t>Products-Adding a Cart</a:t>
             </a:r>
             <a:endParaRPr lang="en-US" dirty="0"/>
           </a:p>
@@ -29254,6 +25435,13 @@
   <p:clrMapOvr>
     <a:masterClrMapping/>
   </p:clrMapOvr>
+  <p:timing>
+    <p:tnLst>
+      <p:par>
+        <p:cTn id="1" dur="indefinite" restart="never" nodeType="tmRoot"/>
+      </p:par>
+    </p:tnLst>
+  </p:timing>
 </p:sld>
 </file>
 
@@ -29390,15 +25578,7 @@
             </a:br>
             <a:r>
               <a:rPr lang="en-US" dirty="0" smtClean="0"/>
-              <a:t>@</a:t>
-            </a:r>
-            <a:r>
-              <a:rPr lang="en-US" dirty="0" smtClean="0"/>
-              <a:t>rlangton76</a:t>
-            </a:r>
-            <a:r>
-              <a:rPr lang="en-US" dirty="0" smtClean="0"/>
-              <a:t/>
+              <a:t>@rlangton76</a:t>
             </a:r>
             <a:br>
               <a:rPr lang="en-US" dirty="0" smtClean="0"/>
@@ -29871,11 +26051,7 @@
             </a:pPr>
             <a:r>
               <a:rPr lang="en-US" dirty="0" smtClean="0"/>
-              <a:t>CODE </a:t>
-            </a:r>
-            <a:r>
-              <a:rPr lang="en-US" dirty="0" smtClean="0"/>
-              <a:t>DEMO</a:t>
+              <a:t>CODE DEMO</a:t>
             </a:r>
           </a:p>
           <a:p>
@@ -29937,6 +26113,13 @@
   <p:clrMapOvr>
     <a:masterClrMapping/>
   </p:clrMapOvr>
+  <p:timing>
+    <p:tnLst>
+      <p:par>
+        <p:cTn id="1" dur="indefinite" restart="never" nodeType="tmRoot"/>
+      </p:par>
+    </p:tnLst>
+  </p:timing>
 </p:sld>
 </file>
 
@@ -31044,13 +27227,8 @@
             </a:r>
             <a:r>
               <a:rPr lang="en-US" dirty="0" smtClean="0"/>
-              <a:t>hat break often and require </a:t>
-            </a:r>
-            <a:r>
-              <a:rPr lang="en-US" smtClean="0"/>
-              <a:t>a manual.</a:t>
-            </a:r>
-            <a:endParaRPr lang="en-US" dirty="0" smtClean="0"/>
+              <a:t>hat break often and require a manual.</a:t>
+            </a:r>
           </a:p>
           <a:p>
             <a:r>
@@ -31071,17 +27249,8 @@
             <a:pPr lvl="1"/>
             <a:r>
               <a:rPr lang="en-US" dirty="0" smtClean="0"/>
-              <a:t>Beach </a:t>
-            </a:r>
-            <a:r>
-              <a:rPr lang="en-US" dirty="0" smtClean="0"/>
-              <a:t>cabana</a:t>
-            </a:r>
-            <a:r>
-              <a:rPr lang="en-US" dirty="0" smtClean="0"/>
-              <a:t>.</a:t>
-            </a:r>
-            <a:endParaRPr lang="en-US" dirty="0" smtClean="0"/>
+              <a:t>Beach cabana.</a:t>
+            </a:r>
           </a:p>
           <a:p>
             <a:pPr lvl="1"/>
@@ -35507,7 +31676,6 @@
               <a:rPr lang="en-US" dirty="0" smtClean="0"/>
               <a:t> server communication.</a:t>
             </a:r>
-            <a:endParaRPr lang="en-US" dirty="0" smtClean="0"/>
           </a:p>
           <a:p>
             <a:pPr fontAlgn="base"/>
@@ -36713,11 +32881,7 @@
             </a:pPr>
             <a:r>
               <a:rPr lang="en-US" dirty="0" smtClean="0"/>
-              <a:t>CODE </a:t>
-            </a:r>
-            <a:r>
-              <a:rPr lang="en-US" dirty="0" smtClean="0"/>
-              <a:t>DEMO</a:t>
+              <a:t>CODE DEMO</a:t>
             </a:r>
           </a:p>
           <a:p>
@@ -36729,7 +32893,35 @@
           <a:p>
             <a:r>
               <a:rPr lang="en-US" dirty="0" smtClean="0"/>
-              <a:t>No dynamic behavior</a:t>
+              <a:t>No dynamic </a:t>
+            </a:r>
+            <a:r>
+              <a:rPr lang="en-US" dirty="0" smtClean="0"/>
+              <a:t>behavior</a:t>
+            </a:r>
+          </a:p>
+          <a:p>
+            <a:r>
+              <a:rPr lang="en-US" dirty="0" smtClean="0"/>
+              <a:t>Users </a:t>
+            </a:r>
+          </a:p>
+          <a:p>
+            <a:pPr lvl="1"/>
+            <a:r>
+              <a:rPr lang="en-US" dirty="0"/>
+              <a:t>C</a:t>
+            </a:r>
+            <a:r>
+              <a:rPr lang="en-US" dirty="0" smtClean="0"/>
+              <a:t>onsumer – Role: User</a:t>
+            </a:r>
+          </a:p>
+          <a:p>
+            <a:pPr lvl="1"/>
+            <a:r>
+              <a:rPr lang="en-US" dirty="0" smtClean="0"/>
+              <a:t>Admin – Role: Admin</a:t>
             </a:r>
             <a:endParaRPr lang="en-US" dirty="0"/>
           </a:p>
@@ -36745,6 +32937,13 @@
   <p:clrMapOvr>
     <a:masterClrMapping/>
   </p:clrMapOvr>
+  <p:timing>
+    <p:tnLst>
+      <p:par>
+        <p:cTn id="1" dur="indefinite" restart="never" nodeType="tmRoot"/>
+      </p:par>
+    </p:tnLst>
+  </p:timing>
 </p:sld>
 </file>
 
